--- a/Optimal Matrix Multiplication presentation.pptx
+++ b/Optimal Matrix Multiplication presentation.pptx
@@ -1,25 +1,24 @@
 
 <file path=ppt/presentation.xml><?xml version="1.0" encoding="utf-8"?>
-<p:presentation xmlns:a="http://schemas.openxmlformats.org/drawingml/2006/main" xmlns:r="http://schemas.openxmlformats.org/officeDocument/2006/relationships" xmlns:p="http://schemas.openxmlformats.org/presentationml/2006/main" saveSubsetFonts="1">
+<p:presentation xmlns:a="http://schemas.openxmlformats.org/drawingml/2006/main" xmlns:r="http://schemas.openxmlformats.org/officeDocument/2006/relationships" xmlns:p="http://schemas.openxmlformats.org/presentationml/2006/main" removePersonalInfoOnSave="1" saveSubsetFonts="1">
   <p:sldMasterIdLst>
     <p:sldMasterId id="2147483648" r:id="rId1"/>
   </p:sldMasterIdLst>
   <p:notesMasterIdLst>
-    <p:notesMasterId r:id="rId14"/>
+    <p:notesMasterId r:id="rId13"/>
   </p:notesMasterIdLst>
   <p:sldIdLst>
     <p:sldId id="256" r:id="rId2"/>
     <p:sldId id="257" r:id="rId3"/>
-    <p:sldId id="258" r:id="rId4"/>
-    <p:sldId id="259" r:id="rId5"/>
-    <p:sldId id="260" r:id="rId6"/>
-    <p:sldId id="261" r:id="rId7"/>
-    <p:sldId id="262" r:id="rId8"/>
-    <p:sldId id="263" r:id="rId9"/>
-    <p:sldId id="264" r:id="rId10"/>
-    <p:sldId id="265" r:id="rId11"/>
-    <p:sldId id="266" r:id="rId12"/>
-    <p:sldId id="267" r:id="rId13"/>
+    <p:sldId id="259" r:id="rId4"/>
+    <p:sldId id="260" r:id="rId5"/>
+    <p:sldId id="261" r:id="rId6"/>
+    <p:sldId id="262" r:id="rId7"/>
+    <p:sldId id="263" r:id="rId8"/>
+    <p:sldId id="264" r:id="rId9"/>
+    <p:sldId id="265" r:id="rId10"/>
+    <p:sldId id="266" r:id="rId11"/>
+    <p:sldId id="267" r:id="rId12"/>
   </p:sldIdLst>
   <p:sldSz cx="12192000" cy="6858000"/>
   <p:notesSz cx="6858000" cy="9144000"/>
@@ -129,388 +128,9 @@
 <file path=ppt/revisionInfo.xml><?xml version="1.0" encoding="utf-8"?>
 <p1510:revInfo xmlns:a="http://schemas.openxmlformats.org/drawingml/2006/main" xmlns:r="http://schemas.openxmlformats.org/officeDocument/2006/relationships" xmlns:p1510="http://schemas.microsoft.com/office/powerpoint/2015/10/main">
   <p1510:revLst>
-    <p1510:client id="{38D59E4B-E08F-4AF9-932A-03B29D71EA15}" v="27" dt="2023-06-13T12:28:54.023"/>
+    <p1510:client id="{38D59E4B-E08F-4AF9-932A-03B29D71EA15}" v="28" dt="2023-06-19T13:59:15.841"/>
   </p1510:revLst>
 </p1510:revInfo>
-</file>
-
-<file path=ppt/changesInfos/changesInfo1.xml><?xml version="1.0" encoding="utf-8"?>
-<pc:chgInfo xmlns:a="http://schemas.openxmlformats.org/drawingml/2006/main" xmlns:r="http://schemas.openxmlformats.org/officeDocument/2006/relationships" xmlns:ac="http://schemas.microsoft.com/office/drawing/2013/main/command" xmlns:pc="http://schemas.microsoft.com/office/powerpoint/2013/main/command">
-  <pc:docChgLst>
-    <pc:chgData name="Jean" userId="d661cc535043b6a8" providerId="LiveId" clId="{38D59E4B-E08F-4AF9-932A-03B29D71EA15}"/>
-    <pc:docChg chg="undo redo custSel addSld modSld">
-      <pc:chgData name="Jean" userId="d661cc535043b6a8" providerId="LiveId" clId="{38D59E4B-E08F-4AF9-932A-03B29D71EA15}" dt="2023-06-13T13:12:26.212" v="2915" actId="20577"/>
-      <pc:docMkLst>
-        <pc:docMk/>
-      </pc:docMkLst>
-      <pc:sldChg chg="addSp delSp modSp mod">
-        <pc:chgData name="Jean" userId="d661cc535043b6a8" providerId="LiveId" clId="{38D59E4B-E08F-4AF9-932A-03B29D71EA15}" dt="2023-06-13T09:50:47.334" v="167" actId="1076"/>
-        <pc:sldMkLst>
-          <pc:docMk/>
-          <pc:sldMk cId="1117868062" sldId="257"/>
-        </pc:sldMkLst>
-        <pc:spChg chg="mod">
-          <ac:chgData name="Jean" userId="d661cc535043b6a8" providerId="LiveId" clId="{38D59E4B-E08F-4AF9-932A-03B29D71EA15}" dt="2023-06-13T09:42:51.627" v="45" actId="14100"/>
-          <ac:spMkLst>
-            <pc:docMk/>
-            <pc:sldMk cId="1117868062" sldId="257"/>
-            <ac:spMk id="3" creationId="{ADAEB855-0B3C-CB41-8AA2-61DD1A3A86F2}"/>
-          </ac:spMkLst>
-        </pc:spChg>
-        <pc:spChg chg="add del mod">
-          <ac:chgData name="Jean" userId="d661cc535043b6a8" providerId="LiveId" clId="{38D59E4B-E08F-4AF9-932A-03B29D71EA15}" dt="2023-06-13T09:41:44.088" v="33"/>
-          <ac:spMkLst>
-            <pc:docMk/>
-            <pc:sldMk cId="1117868062" sldId="257"/>
-            <ac:spMk id="4" creationId="{8B814396-DCEA-F2AB-4FC7-E825A14F925E}"/>
-          </ac:spMkLst>
-        </pc:spChg>
-        <pc:spChg chg="add del">
-          <ac:chgData name="Jean" userId="d661cc535043b6a8" providerId="LiveId" clId="{38D59E4B-E08F-4AF9-932A-03B29D71EA15}" dt="2023-06-13T09:41:48.983" v="35" actId="478"/>
-          <ac:spMkLst>
-            <pc:docMk/>
-            <pc:sldMk cId="1117868062" sldId="257"/>
-            <ac:spMk id="5" creationId="{F27F0660-D460-38C1-761F-59C907DBC986}"/>
-          </ac:spMkLst>
-        </pc:spChg>
-        <pc:spChg chg="add mod">
-          <ac:chgData name="Jean" userId="d661cc535043b6a8" providerId="LiveId" clId="{38D59E4B-E08F-4AF9-932A-03B29D71EA15}" dt="2023-06-13T09:44:46.803" v="114" actId="20577"/>
-          <ac:spMkLst>
-            <pc:docMk/>
-            <pc:sldMk cId="1117868062" sldId="257"/>
-            <ac:spMk id="8" creationId="{295AF952-EB27-DA8B-7D09-FCC9A99B4FFD}"/>
-          </ac:spMkLst>
-        </pc:spChg>
-        <pc:spChg chg="add mod">
-          <ac:chgData name="Jean" userId="d661cc535043b6a8" providerId="LiveId" clId="{38D59E4B-E08F-4AF9-932A-03B29D71EA15}" dt="2023-06-13T09:50:47.334" v="167" actId="1076"/>
-          <ac:spMkLst>
-            <pc:docMk/>
-            <pc:sldMk cId="1117868062" sldId="257"/>
-            <ac:spMk id="13" creationId="{A94AF067-6A36-6171-6F35-B474740FE37C}"/>
-          </ac:spMkLst>
-        </pc:spChg>
-        <pc:picChg chg="add mod">
-          <ac:chgData name="Jean" userId="d661cc535043b6a8" providerId="LiveId" clId="{38D59E4B-E08F-4AF9-932A-03B29D71EA15}" dt="2023-06-13T09:42:35.229" v="39" actId="1076"/>
-          <ac:picMkLst>
-            <pc:docMk/>
-            <pc:sldMk cId="1117868062" sldId="257"/>
-            <ac:picMk id="7" creationId="{19544187-FDF5-BF52-3229-AD586A0D2462}"/>
-          </ac:picMkLst>
-        </pc:picChg>
-        <pc:picChg chg="add mod">
-          <ac:chgData name="Jean" userId="d661cc535043b6a8" providerId="LiveId" clId="{38D59E4B-E08F-4AF9-932A-03B29D71EA15}" dt="2023-06-13T09:44:43.759" v="112" actId="1076"/>
-          <ac:picMkLst>
-            <pc:docMk/>
-            <pc:sldMk cId="1117868062" sldId="257"/>
-            <ac:picMk id="10" creationId="{AAB2B046-9DA4-BBDA-2D87-7A33B85193E7}"/>
-          </ac:picMkLst>
-        </pc:picChg>
-        <pc:picChg chg="add mod">
-          <ac:chgData name="Jean" userId="d661cc535043b6a8" providerId="LiveId" clId="{38D59E4B-E08F-4AF9-932A-03B29D71EA15}" dt="2023-06-13T09:45:07.969" v="118" actId="1076"/>
-          <ac:picMkLst>
-            <pc:docMk/>
-            <pc:sldMk cId="1117868062" sldId="257"/>
-            <ac:picMk id="12" creationId="{7951D296-2BC3-EB74-2405-C6ECF629E731}"/>
-          </ac:picMkLst>
-        </pc:picChg>
-      </pc:sldChg>
-      <pc:sldChg chg="modSp new mod">
-        <pc:chgData name="Jean" userId="d661cc535043b6a8" providerId="LiveId" clId="{38D59E4B-E08F-4AF9-932A-03B29D71EA15}" dt="2023-06-13T09:51:21.421" v="248" actId="20577"/>
-        <pc:sldMkLst>
-          <pc:docMk/>
-          <pc:sldMk cId="2382936373" sldId="258"/>
-        </pc:sldMkLst>
-        <pc:spChg chg="mod">
-          <ac:chgData name="Jean" userId="d661cc535043b6a8" providerId="LiveId" clId="{38D59E4B-E08F-4AF9-932A-03B29D71EA15}" dt="2023-06-13T09:51:21.421" v="248" actId="20577"/>
-          <ac:spMkLst>
-            <pc:docMk/>
-            <pc:sldMk cId="2382936373" sldId="258"/>
-            <ac:spMk id="3" creationId="{0918ED8A-E406-09AD-DE66-AE4545770CBD}"/>
-          </ac:spMkLst>
-        </pc:spChg>
-      </pc:sldChg>
-      <pc:sldChg chg="addSp delSp modSp new mod">
-        <pc:chgData name="Jean" userId="d661cc535043b6a8" providerId="LiveId" clId="{38D59E4B-E08F-4AF9-932A-03B29D71EA15}" dt="2023-06-13T10:06:47.794" v="333" actId="14100"/>
-        <pc:sldMkLst>
-          <pc:docMk/>
-          <pc:sldMk cId="774819308" sldId="259"/>
-        </pc:sldMkLst>
-        <pc:spChg chg="mod">
-          <ac:chgData name="Jean" userId="d661cc535043b6a8" providerId="LiveId" clId="{38D59E4B-E08F-4AF9-932A-03B29D71EA15}" dt="2023-06-13T10:06:47.794" v="333" actId="14100"/>
-          <ac:spMkLst>
-            <pc:docMk/>
-            <pc:sldMk cId="774819308" sldId="259"/>
-            <ac:spMk id="2" creationId="{A70C2C29-E96F-0DEC-6AA4-68BE1AF619E4}"/>
-          </ac:spMkLst>
-        </pc:spChg>
-        <pc:spChg chg="add del">
-          <ac:chgData name="Jean" userId="d661cc535043b6a8" providerId="LiveId" clId="{38D59E4B-E08F-4AF9-932A-03B29D71EA15}" dt="2023-06-13T09:53:21.737" v="314"/>
-          <ac:spMkLst>
-            <pc:docMk/>
-            <pc:sldMk cId="774819308" sldId="259"/>
-            <ac:spMk id="3" creationId="{FACFCB8D-815B-776F-3AAA-30C85D0B905E}"/>
-          </ac:spMkLst>
-        </pc:spChg>
-        <pc:picChg chg="add del mod">
-          <ac:chgData name="Jean" userId="d661cc535043b6a8" providerId="LiveId" clId="{38D59E4B-E08F-4AF9-932A-03B29D71EA15}" dt="2023-06-13T09:52:51.814" v="299"/>
-          <ac:picMkLst>
-            <pc:docMk/>
-            <pc:sldMk cId="774819308" sldId="259"/>
-            <ac:picMk id="2050" creationId="{0897080E-B6A2-DFA4-F1C8-6839BE270C8E}"/>
-          </ac:picMkLst>
-        </pc:picChg>
-        <pc:picChg chg="add del mod">
-          <ac:chgData name="Jean" userId="d661cc535043b6a8" providerId="LiveId" clId="{38D59E4B-E08F-4AF9-932A-03B29D71EA15}" dt="2023-06-13T09:53:20.668" v="313" actId="478"/>
-          <ac:picMkLst>
-            <pc:docMk/>
-            <pc:sldMk cId="774819308" sldId="259"/>
-            <ac:picMk id="2052" creationId="{360E0B03-DBEC-5518-5F80-D246B42D9139}"/>
-          </ac:picMkLst>
-        </pc:picChg>
-        <pc:picChg chg="add mod">
-          <ac:chgData name="Jean" userId="d661cc535043b6a8" providerId="LiveId" clId="{38D59E4B-E08F-4AF9-932A-03B29D71EA15}" dt="2023-06-13T09:53:21.737" v="314"/>
-          <ac:picMkLst>
-            <pc:docMk/>
-            <pc:sldMk cId="774819308" sldId="259"/>
-            <ac:picMk id="2054" creationId="{6F4C7158-230C-4FB3-7312-4DF00D87C5E9}"/>
-          </ac:picMkLst>
-        </pc:picChg>
-      </pc:sldChg>
-      <pc:sldChg chg="addSp delSp modSp new mod">
-        <pc:chgData name="Jean" userId="d661cc535043b6a8" providerId="LiveId" clId="{38D59E4B-E08F-4AF9-932A-03B29D71EA15}" dt="2023-06-13T10:23:09.253" v="374" actId="20577"/>
-        <pc:sldMkLst>
-          <pc:docMk/>
-          <pc:sldMk cId="4173696308" sldId="260"/>
-        </pc:sldMkLst>
-        <pc:spChg chg="mod">
-          <ac:chgData name="Jean" userId="d661cc535043b6a8" providerId="LiveId" clId="{38D59E4B-E08F-4AF9-932A-03B29D71EA15}" dt="2023-06-13T10:23:09.253" v="374" actId="20577"/>
-          <ac:spMkLst>
-            <pc:docMk/>
-            <pc:sldMk cId="4173696308" sldId="260"/>
-            <ac:spMk id="2" creationId="{AC7A7E98-708B-098E-4C48-8D96B3D7B03B}"/>
-          </ac:spMkLst>
-        </pc:spChg>
-        <pc:spChg chg="del">
-          <ac:chgData name="Jean" userId="d661cc535043b6a8" providerId="LiveId" clId="{38D59E4B-E08F-4AF9-932A-03B29D71EA15}" dt="2023-06-13T10:22:05.449" v="341" actId="22"/>
-          <ac:spMkLst>
-            <pc:docMk/>
-            <pc:sldMk cId="4173696308" sldId="260"/>
-            <ac:spMk id="3" creationId="{4233BC12-899F-275A-7A9A-557F2A010503}"/>
-          </ac:spMkLst>
-        </pc:spChg>
-        <pc:picChg chg="add mod ord">
-          <ac:chgData name="Jean" userId="d661cc535043b6a8" providerId="LiveId" clId="{38D59E4B-E08F-4AF9-932A-03B29D71EA15}" dt="2023-06-13T10:22:14.884" v="347" actId="1076"/>
-          <ac:picMkLst>
-            <pc:docMk/>
-            <pc:sldMk cId="4173696308" sldId="260"/>
-            <ac:picMk id="5" creationId="{D6FE2C9C-04BB-3518-86DA-0022209D115B}"/>
-          </ac:picMkLst>
-        </pc:picChg>
-      </pc:sldChg>
-      <pc:sldChg chg="modSp new mod">
-        <pc:chgData name="Jean" userId="d661cc535043b6a8" providerId="LiveId" clId="{38D59E4B-E08F-4AF9-932A-03B29D71EA15}" dt="2023-06-13T11:58:23.884" v="1182" actId="20577"/>
-        <pc:sldMkLst>
-          <pc:docMk/>
-          <pc:sldMk cId="2355048238" sldId="261"/>
-        </pc:sldMkLst>
-        <pc:spChg chg="mod">
-          <ac:chgData name="Jean" userId="d661cc535043b6a8" providerId="LiveId" clId="{38D59E4B-E08F-4AF9-932A-03B29D71EA15}" dt="2023-06-13T11:42:21.076" v="858" actId="20577"/>
-          <ac:spMkLst>
-            <pc:docMk/>
-            <pc:sldMk cId="2355048238" sldId="261"/>
-            <ac:spMk id="2" creationId="{027A01A6-6957-D9BE-A319-7219912D2C0D}"/>
-          </ac:spMkLst>
-        </pc:spChg>
-        <pc:spChg chg="mod">
-          <ac:chgData name="Jean" userId="d661cc535043b6a8" providerId="LiveId" clId="{38D59E4B-E08F-4AF9-932A-03B29D71EA15}" dt="2023-06-13T11:58:23.884" v="1182" actId="20577"/>
-          <ac:spMkLst>
-            <pc:docMk/>
-            <pc:sldMk cId="2355048238" sldId="261"/>
-            <ac:spMk id="3" creationId="{9A084B31-5A39-C20F-9FFF-D5604B12C521}"/>
-          </ac:spMkLst>
-        </pc:spChg>
-      </pc:sldChg>
-      <pc:sldChg chg="addSp delSp modSp new mod">
-        <pc:chgData name="Jean" userId="d661cc535043b6a8" providerId="LiveId" clId="{38D59E4B-E08F-4AF9-932A-03B29D71EA15}" dt="2023-06-13T12:00:27.910" v="1185" actId="14100"/>
-        <pc:sldMkLst>
-          <pc:docMk/>
-          <pc:sldMk cId="1662970638" sldId="262"/>
-        </pc:sldMkLst>
-        <pc:spChg chg="mod">
-          <ac:chgData name="Jean" userId="d661cc535043b6a8" providerId="LiveId" clId="{38D59E4B-E08F-4AF9-932A-03B29D71EA15}" dt="2023-06-13T11:42:14.147" v="834" actId="20577"/>
-          <ac:spMkLst>
-            <pc:docMk/>
-            <pc:sldMk cId="1662970638" sldId="262"/>
-            <ac:spMk id="2" creationId="{0EA8233B-4116-4FAF-C12A-49B31384F34D}"/>
-          </ac:spMkLst>
-        </pc:spChg>
-        <pc:spChg chg="mod">
-          <ac:chgData name="Jean" userId="d661cc535043b6a8" providerId="LiveId" clId="{38D59E4B-E08F-4AF9-932A-03B29D71EA15}" dt="2023-06-13T11:57:14.083" v="1174" actId="20577"/>
-          <ac:spMkLst>
-            <pc:docMk/>
-            <pc:sldMk cId="1662970638" sldId="262"/>
-            <ac:spMk id="3" creationId="{ED2DAFE0-1D90-A47A-5645-BB164CB1DC79}"/>
-          </ac:spMkLst>
-        </pc:spChg>
-        <pc:picChg chg="add del mod">
-          <ac:chgData name="Jean" userId="d661cc535043b6a8" providerId="LiveId" clId="{38D59E4B-E08F-4AF9-932A-03B29D71EA15}" dt="2023-06-13T11:52:26.835" v="1029" actId="478"/>
-          <ac:picMkLst>
-            <pc:docMk/>
-            <pc:sldMk cId="1662970638" sldId="262"/>
-            <ac:picMk id="6" creationId="{15A0C973-217B-DD2A-DA9B-62C0B62D32BA}"/>
-          </ac:picMkLst>
-        </pc:picChg>
-        <pc:picChg chg="add mod">
-          <ac:chgData name="Jean" userId="d661cc535043b6a8" providerId="LiveId" clId="{38D59E4B-E08F-4AF9-932A-03B29D71EA15}" dt="2023-06-13T11:54:32.506" v="1073" actId="1076"/>
-          <ac:picMkLst>
-            <pc:docMk/>
-            <pc:sldMk cId="1662970638" sldId="262"/>
-            <ac:picMk id="8" creationId="{86329E2D-5801-70A1-082A-0D5B7B956AA6}"/>
-          </ac:picMkLst>
-        </pc:picChg>
-        <pc:picChg chg="add mod">
-          <ac:chgData name="Jean" userId="d661cc535043b6a8" providerId="LiveId" clId="{38D59E4B-E08F-4AF9-932A-03B29D71EA15}" dt="2023-06-13T11:55:37.877" v="1089" actId="1076"/>
-          <ac:picMkLst>
-            <pc:docMk/>
-            <pc:sldMk cId="1662970638" sldId="262"/>
-            <ac:picMk id="10" creationId="{04D0CF45-FB92-F7C9-4570-64EC70AE11D9}"/>
-          </ac:picMkLst>
-        </pc:picChg>
-        <pc:picChg chg="add mod">
-          <ac:chgData name="Jean" userId="d661cc535043b6a8" providerId="LiveId" clId="{38D59E4B-E08F-4AF9-932A-03B29D71EA15}" dt="2023-06-13T12:00:27.910" v="1185" actId="14100"/>
-          <ac:picMkLst>
-            <pc:docMk/>
-            <pc:sldMk cId="1662970638" sldId="262"/>
-            <ac:picMk id="12" creationId="{E95A18C2-EA4E-2964-F38B-69FE12FBAF64}"/>
-          </ac:picMkLst>
-        </pc:picChg>
-      </pc:sldChg>
-      <pc:sldChg chg="modSp new mod">
-        <pc:chgData name="Jean" userId="d661cc535043b6a8" providerId="LiveId" clId="{38D59E4B-E08F-4AF9-932A-03B29D71EA15}" dt="2023-06-13T12:28:05.278" v="1583" actId="20577"/>
-        <pc:sldMkLst>
-          <pc:docMk/>
-          <pc:sldMk cId="1277270232" sldId="263"/>
-        </pc:sldMkLst>
-        <pc:spChg chg="mod">
-          <ac:chgData name="Jean" userId="d661cc535043b6a8" providerId="LiveId" clId="{38D59E4B-E08F-4AF9-932A-03B29D71EA15}" dt="2023-06-13T12:00:37.611" v="1188"/>
-          <ac:spMkLst>
-            <pc:docMk/>
-            <pc:sldMk cId="1277270232" sldId="263"/>
-            <ac:spMk id="2" creationId="{2BB38F9A-6ABE-2ED1-34BE-EEB3B3B42798}"/>
-          </ac:spMkLst>
-        </pc:spChg>
-        <pc:spChg chg="mod">
-          <ac:chgData name="Jean" userId="d661cc535043b6a8" providerId="LiveId" clId="{38D59E4B-E08F-4AF9-932A-03B29D71EA15}" dt="2023-06-13T12:28:05.278" v="1583" actId="20577"/>
-          <ac:spMkLst>
-            <pc:docMk/>
-            <pc:sldMk cId="1277270232" sldId="263"/>
-            <ac:spMk id="3" creationId="{C161F7EF-40F4-8CDE-3520-C55CF5ABC895}"/>
-          </ac:spMkLst>
-        </pc:spChg>
-      </pc:sldChg>
-      <pc:sldChg chg="addSp delSp modSp new mod">
-        <pc:chgData name="Jean" userId="d661cc535043b6a8" providerId="LiveId" clId="{38D59E4B-E08F-4AF9-932A-03B29D71EA15}" dt="2023-06-13T12:28:54.914" v="1612" actId="962"/>
-        <pc:sldMkLst>
-          <pc:docMk/>
-          <pc:sldMk cId="1017179694" sldId="264"/>
-        </pc:sldMkLst>
-        <pc:spChg chg="mod">
-          <ac:chgData name="Jean" userId="d661cc535043b6a8" providerId="LiveId" clId="{38D59E4B-E08F-4AF9-932A-03B29D71EA15}" dt="2023-06-13T12:28:49.918" v="1609" actId="20577"/>
-          <ac:spMkLst>
-            <pc:docMk/>
-            <pc:sldMk cId="1017179694" sldId="264"/>
-            <ac:spMk id="2" creationId="{0E9236FD-AD81-564F-38EA-D4A84A5B417F}"/>
-          </ac:spMkLst>
-        </pc:spChg>
-        <pc:spChg chg="del">
-          <ac:chgData name="Jean" userId="d661cc535043b6a8" providerId="LiveId" clId="{38D59E4B-E08F-4AF9-932A-03B29D71EA15}" dt="2023-06-13T12:28:54.023" v="1610"/>
-          <ac:spMkLst>
-            <pc:docMk/>
-            <pc:sldMk cId="1017179694" sldId="264"/>
-            <ac:spMk id="3" creationId="{862EC87B-971C-7E18-ACC1-75763F05BF78}"/>
-          </ac:spMkLst>
-        </pc:spChg>
-        <pc:picChg chg="add mod">
-          <ac:chgData name="Jean" userId="d661cc535043b6a8" providerId="LiveId" clId="{38D59E4B-E08F-4AF9-932A-03B29D71EA15}" dt="2023-06-13T12:28:54.914" v="1612" actId="962"/>
-          <ac:picMkLst>
-            <pc:docMk/>
-            <pc:sldMk cId="1017179694" sldId="264"/>
-            <ac:picMk id="6" creationId="{6886DCD6-89C7-5C51-DB66-68522D29D7FC}"/>
-          </ac:picMkLst>
-        </pc:picChg>
-      </pc:sldChg>
-      <pc:sldChg chg="modSp new mod">
-        <pc:chgData name="Jean" userId="d661cc535043b6a8" providerId="LiveId" clId="{38D59E4B-E08F-4AF9-932A-03B29D71EA15}" dt="2023-06-13T13:03:10.732" v="2324" actId="20577"/>
-        <pc:sldMkLst>
-          <pc:docMk/>
-          <pc:sldMk cId="1933146252" sldId="265"/>
-        </pc:sldMkLst>
-        <pc:spChg chg="mod">
-          <ac:chgData name="Jean" userId="d661cc535043b6a8" providerId="LiveId" clId="{38D59E4B-E08F-4AF9-932A-03B29D71EA15}" dt="2023-06-13T12:29:14.167" v="1627" actId="20577"/>
-          <ac:spMkLst>
-            <pc:docMk/>
-            <pc:sldMk cId="1933146252" sldId="265"/>
-            <ac:spMk id="2" creationId="{ADE09E91-0F4B-8581-9230-28139E04643D}"/>
-          </ac:spMkLst>
-        </pc:spChg>
-        <pc:spChg chg="mod">
-          <ac:chgData name="Jean" userId="d661cc535043b6a8" providerId="LiveId" clId="{38D59E4B-E08F-4AF9-932A-03B29D71EA15}" dt="2023-06-13T13:03:10.732" v="2324" actId="20577"/>
-          <ac:spMkLst>
-            <pc:docMk/>
-            <pc:sldMk cId="1933146252" sldId="265"/>
-            <ac:spMk id="3" creationId="{FD519544-E0C3-F3B6-BD57-FFFF4D3C3BC4}"/>
-          </ac:spMkLst>
-        </pc:spChg>
-      </pc:sldChg>
-      <pc:sldChg chg="modSp new mod">
-        <pc:chgData name="Jean" userId="d661cc535043b6a8" providerId="LiveId" clId="{38D59E4B-E08F-4AF9-932A-03B29D71EA15}" dt="2023-06-13T13:04:37.526" v="2535" actId="20577"/>
-        <pc:sldMkLst>
-          <pc:docMk/>
-          <pc:sldMk cId="2351509876" sldId="266"/>
-        </pc:sldMkLst>
-        <pc:spChg chg="mod">
-          <ac:chgData name="Jean" userId="d661cc535043b6a8" providerId="LiveId" clId="{38D59E4B-E08F-4AF9-932A-03B29D71EA15}" dt="2023-06-13T12:45:18.366" v="2039" actId="20577"/>
-          <ac:spMkLst>
-            <pc:docMk/>
-            <pc:sldMk cId="2351509876" sldId="266"/>
-            <ac:spMk id="2" creationId="{4FD043E3-05B0-49BE-7743-0DD3FDA99380}"/>
-          </ac:spMkLst>
-        </pc:spChg>
-        <pc:spChg chg="mod">
-          <ac:chgData name="Jean" userId="d661cc535043b6a8" providerId="LiveId" clId="{38D59E4B-E08F-4AF9-932A-03B29D71EA15}" dt="2023-06-13T13:04:37.526" v="2535" actId="20577"/>
-          <ac:spMkLst>
-            <pc:docMk/>
-            <pc:sldMk cId="2351509876" sldId="266"/>
-            <ac:spMk id="3" creationId="{94CF32DD-1329-DCC0-5315-E17A50B60880}"/>
-          </ac:spMkLst>
-        </pc:spChg>
-      </pc:sldChg>
-      <pc:sldChg chg="modSp new mod">
-        <pc:chgData name="Jean" userId="d661cc535043b6a8" providerId="LiveId" clId="{38D59E4B-E08F-4AF9-932A-03B29D71EA15}" dt="2023-06-13T13:12:26.212" v="2915" actId="20577"/>
-        <pc:sldMkLst>
-          <pc:docMk/>
-          <pc:sldMk cId="1264070786" sldId="267"/>
-        </pc:sldMkLst>
-        <pc:spChg chg="mod">
-          <ac:chgData name="Jean" userId="d661cc535043b6a8" providerId="LiveId" clId="{38D59E4B-E08F-4AF9-932A-03B29D71EA15}" dt="2023-06-13T13:02:52.071" v="2312" actId="20577"/>
-          <ac:spMkLst>
-            <pc:docMk/>
-            <pc:sldMk cId="1264070786" sldId="267"/>
-            <ac:spMk id="2" creationId="{C0FF3591-9329-7EAA-34E8-C3732E0E1F66}"/>
-          </ac:spMkLst>
-        </pc:spChg>
-        <pc:spChg chg="mod">
-          <ac:chgData name="Jean" userId="d661cc535043b6a8" providerId="LiveId" clId="{38D59E4B-E08F-4AF9-932A-03B29D71EA15}" dt="2023-06-13T13:12:26.212" v="2915" actId="20577"/>
-          <ac:spMkLst>
-            <pc:docMk/>
-            <pc:sldMk cId="1264070786" sldId="267"/>
-            <ac:spMk id="3" creationId="{ABF16091-A840-1812-3103-CC8281E61D61}"/>
-          </ac:spMkLst>
-        </pc:spChg>
-      </pc:sldChg>
-    </pc:docChg>
-  </pc:docChgLst>
-</pc:chgInfo>
 </file>
 
 <file path=ppt/notesMasters/notesMaster1.xml><?xml version="1.0" encoding="utf-8"?>
@@ -595,7 +215,7 @@
           <a:p>
             <a:fld id="{4AD7F56C-E479-49B9-A3A4-EDB5883CB199}" type="datetimeFigureOut">
               <a:rPr lang="fr-FR" smtClean="0"/>
-              <a:t>13/06/2023</a:t>
+              <a:t>19/06/2023</a:t>
             </a:fld>
             <a:endParaRPr lang="fr-FR"/>
           </a:p>
@@ -1009,7 +629,7 @@
           <a:p>
             <a:fld id="{B8E38B21-91E0-4143-98E3-B025D1F0CBA3}" type="datetime1">
               <a:rPr lang="fr-FR" smtClean="0"/>
-              <a:t>13/06/2023</a:t>
+              <a:t>19/06/2023</a:t>
             </a:fld>
             <a:endParaRPr lang="fr-FR"/>
           </a:p>
@@ -1207,7 +827,7 @@
           <a:p>
             <a:fld id="{0201F4DA-5BEC-41C4-BF50-B3E2E3A75AB3}" type="datetime1">
               <a:rPr lang="fr-FR" smtClean="0"/>
-              <a:t>13/06/2023</a:t>
+              <a:t>19/06/2023</a:t>
             </a:fld>
             <a:endParaRPr lang="fr-FR"/>
           </a:p>
@@ -1415,7 +1035,7 @@
           <a:p>
             <a:fld id="{BAA32F36-B29E-4D4C-A2FC-DDE767E7D6F2}" type="datetime1">
               <a:rPr lang="fr-FR" smtClean="0"/>
-              <a:t>13/06/2023</a:t>
+              <a:t>19/06/2023</a:t>
             </a:fld>
             <a:endParaRPr lang="fr-FR"/>
           </a:p>
@@ -1613,7 +1233,7 @@
           <a:p>
             <a:fld id="{1DAB6743-87D6-4770-A34C-431C065D8B7F}" type="datetime1">
               <a:rPr lang="fr-FR" smtClean="0"/>
-              <a:t>13/06/2023</a:t>
+              <a:t>19/06/2023</a:t>
             </a:fld>
             <a:endParaRPr lang="fr-FR"/>
           </a:p>
@@ -1888,7 +1508,7 @@
           <a:p>
             <a:fld id="{90C84448-1C7D-4C1D-92DF-25C92D82F6B6}" type="datetime1">
               <a:rPr lang="fr-FR" smtClean="0"/>
-              <a:t>13/06/2023</a:t>
+              <a:t>19/06/2023</a:t>
             </a:fld>
             <a:endParaRPr lang="fr-FR"/>
           </a:p>
@@ -2153,7 +1773,7 @@
           <a:p>
             <a:fld id="{A72B7289-0203-4CDE-B620-8CBCEC58AC1A}" type="datetime1">
               <a:rPr lang="fr-FR" smtClean="0"/>
-              <a:t>13/06/2023</a:t>
+              <a:t>19/06/2023</a:t>
             </a:fld>
             <a:endParaRPr lang="fr-FR"/>
           </a:p>
@@ -2565,7 +2185,7 @@
           <a:p>
             <a:fld id="{53560429-E793-416F-88B1-DA55A13CAFCC}" type="datetime1">
               <a:rPr lang="fr-FR" smtClean="0"/>
-              <a:t>13/06/2023</a:t>
+              <a:t>19/06/2023</a:t>
             </a:fld>
             <a:endParaRPr lang="fr-FR"/>
           </a:p>
@@ -2706,7 +2326,7 @@
           <a:p>
             <a:fld id="{6D98A710-A1EB-423A-85E2-EED184766110}" type="datetime1">
               <a:rPr lang="fr-FR" smtClean="0"/>
-              <a:t>13/06/2023</a:t>
+              <a:t>19/06/2023</a:t>
             </a:fld>
             <a:endParaRPr lang="fr-FR"/>
           </a:p>
@@ -2819,7 +2439,7 @@
           <a:p>
             <a:fld id="{CF25A4BF-12CD-470D-8694-99875049CF62}" type="datetime1">
               <a:rPr lang="fr-FR" smtClean="0"/>
-              <a:t>13/06/2023</a:t>
+              <a:t>19/06/2023</a:t>
             </a:fld>
             <a:endParaRPr lang="fr-FR"/>
           </a:p>
@@ -3130,7 +2750,7 @@
           <a:p>
             <a:fld id="{DB5918E3-682D-4AB8-84FA-7ED9B78C6EE8}" type="datetime1">
               <a:rPr lang="fr-FR" smtClean="0"/>
-              <a:t>13/06/2023</a:t>
+              <a:t>19/06/2023</a:t>
             </a:fld>
             <a:endParaRPr lang="fr-FR"/>
           </a:p>
@@ -3418,7 +3038,7 @@
           <a:p>
             <a:fld id="{530E1128-1567-4134-B678-8717F3CBB980}" type="datetime1">
               <a:rPr lang="fr-FR" smtClean="0"/>
-              <a:t>13/06/2023</a:t>
+              <a:t>19/06/2023</a:t>
             </a:fld>
             <a:endParaRPr lang="fr-FR"/>
           </a:p>
@@ -3659,7 +3279,7 @@
           <a:p>
             <a:fld id="{1B669517-782D-4DAB-BA2D-4E290F6F1EA1}" type="datetime1">
               <a:rPr lang="fr-FR" smtClean="0"/>
-              <a:t>13/06/2023</a:t>
+              <a:t>19/06/2023</a:t>
             </a:fld>
             <a:endParaRPr lang="fr-FR"/>
           </a:p>
@@ -4131,20 +3751,10 @@
               <a:t>Paper by Stefano </a:t>
             </a:r>
             <a:r>
-              <a:rPr lang="fr-FR" dirty="0" err="1"/>
+              <a:rPr lang="fr-FR"/>
               <a:t>Gualandi</a:t>
             </a:r>
             <a:endParaRPr lang="fr-FR" dirty="0"/>
-          </a:p>
-          <a:p>
-            <a:r>
-              <a:rPr lang="fr-FR" dirty="0" err="1"/>
-              <a:t>Implementation</a:t>
-            </a:r>
-            <a:r>
-              <a:rPr lang="fr-FR" dirty="0"/>
-              <a:t> by Jean Berthaud</a:t>
-            </a:r>
           </a:p>
         </p:txBody>
       </p:sp>
@@ -4212,7 +3822,7 @@
           <p:cNvPr id="2" name="Titre 1">
             <a:extLst>
               <a:ext uri="{FF2B5EF4-FFF2-40B4-BE49-F238E27FC236}">
-                <a16:creationId xmlns:a16="http://schemas.microsoft.com/office/drawing/2014/main" id="{ADE09E91-0F4B-8581-9230-28139E04643D}"/>
+                <a16:creationId xmlns:a16="http://schemas.microsoft.com/office/drawing/2014/main" id="{4FD043E3-05B0-49BE-7743-0DD3FDA99380}"/>
               </a:ext>
             </a:extLst>
           </p:cNvPr>
@@ -4241,7 +3851,7 @@
           <p:cNvPr id="3" name="Espace réservé du contenu 2">
             <a:extLst>
               <a:ext uri="{FF2B5EF4-FFF2-40B4-BE49-F238E27FC236}">
-                <a16:creationId xmlns:a16="http://schemas.microsoft.com/office/drawing/2014/main" id="{FD519544-E0C3-F3B6-BD57-FFFF4D3C3BC4}"/>
+                <a16:creationId xmlns:a16="http://schemas.microsoft.com/office/drawing/2014/main" id="{94CF32DD-1329-DCC0-5315-E17A50B60880}"/>
               </a:ext>
             </a:extLst>
           </p:cNvPr>
@@ -4258,8 +3868,12 @@
           <a:lstStyle/>
           <a:p>
             <a:r>
-              <a:rPr lang="fr-FR" dirty="0" err="1"/>
-              <a:t>With</a:t>
+              <a:rPr lang="fr-FR" dirty="0"/>
+              <a:t>The </a:t>
+            </a:r>
+            <a:r>
+              <a:rPr lang="fr-FR" dirty="0" err="1"/>
+              <a:t>naive</a:t>
             </a:r>
             <a:r>
               <a:rPr lang="fr-FR" dirty="0"/>
@@ -4267,51 +3881,59 @@
             </a:r>
             <a:r>
               <a:rPr lang="fr-FR" dirty="0" err="1"/>
-              <a:t>Pyomo</a:t>
-            </a:r>
-            <a:r>
-              <a:rPr lang="fr-FR" dirty="0"/>
-              <a:t>, </a:t>
-            </a:r>
-            <a:r>
-              <a:rPr lang="fr-FR" dirty="0" err="1"/>
-              <a:t>solved</a:t>
-            </a:r>
-            <a:r>
-              <a:rPr lang="fr-FR" dirty="0"/>
-              <a:t> by </a:t>
-            </a:r>
-            <a:r>
-              <a:rPr lang="fr-FR" dirty="0" err="1"/>
-              <a:t>Gurobi</a:t>
-            </a:r>
-            <a:r>
-              <a:rPr lang="fr-FR" dirty="0"/>
-              <a:t>. </a:t>
-            </a:r>
-            <a:r>
-              <a:rPr lang="fr-FR" dirty="0" err="1"/>
-              <a:t>We</a:t>
-            </a:r>
-            <a:r>
-              <a:rPr lang="fr-FR" dirty="0"/>
-              <a:t> must set the </a:t>
-            </a:r>
-            <a:r>
-              <a:rPr lang="fr-FR" dirty="0" err="1"/>
-              <a:t>parameter</a:t>
-            </a:r>
-            <a:r>
-              <a:rPr lang="fr-FR" dirty="0"/>
-              <a:t> "</a:t>
-            </a:r>
-            <a:r>
-              <a:rPr lang="fr-FR" dirty="0" err="1"/>
-              <a:t>NonConvex</a:t>
-            </a:r>
-            <a:r>
-              <a:rPr lang="fr-FR" dirty="0"/>
-              <a:t>" to 2.</a:t>
+              <a:t>algorithm</a:t>
+            </a:r>
+            <a:r>
+              <a:rPr lang="fr-FR" dirty="0"/>
+              <a:t> </a:t>
+            </a:r>
+            <a:r>
+              <a:rPr lang="fr-FR" dirty="0" err="1"/>
+              <a:t>is</a:t>
+            </a:r>
+            <a:r>
+              <a:rPr lang="fr-FR" dirty="0"/>
+              <a:t> </a:t>
+            </a:r>
+            <a:r>
+              <a:rPr lang="fr-FR" dirty="0" err="1"/>
+              <a:t>computed</a:t>
+            </a:r>
+            <a:r>
+              <a:rPr lang="fr-FR" dirty="0"/>
+              <a:t> </a:t>
+            </a:r>
+            <a:r>
+              <a:rPr lang="fr-FR" dirty="0" err="1"/>
+              <a:t>with</a:t>
+            </a:r>
+            <a:r>
+              <a:rPr lang="fr-FR" dirty="0"/>
+              <a:t> </a:t>
+            </a:r>
+            <a:r>
+              <a:rPr lang="fr-FR" dirty="0" err="1"/>
+              <a:t>numpy</a:t>
+            </a:r>
+            <a:r>
+              <a:rPr lang="fr-FR" dirty="0"/>
+              <a:t> in a </a:t>
+            </a:r>
+            <a:r>
+              <a:rPr lang="fr-FR" dirty="0" err="1"/>
+              <a:t>rank</a:t>
+            </a:r>
+            <a:r>
+              <a:rPr lang="fr-FR" dirty="0"/>
+              <a:t> 3 </a:t>
+            </a:r>
+            <a:r>
+              <a:rPr lang="fr-FR" dirty="0" err="1"/>
+              <a:t>tensor</a:t>
+            </a:r>
+            <a:r>
+              <a:rPr lang="fr-FR" dirty="0"/>
+              <a:t>.</a:t>
             </a:r>
           </a:p>
           <a:p>
@@ -4320,23 +3942,39 @@
           <a:p>
             <a:r>
               <a:rPr lang="fr-FR" dirty="0"/>
-              <a:t>Objective </a:t>
-            </a:r>
-            <a:r>
-              <a:rPr lang="fr-FR" dirty="0" err="1"/>
-              <a:t>norm</a:t>
-            </a:r>
-            <a:r>
-              <a:rPr lang="fr-FR" dirty="0"/>
-              <a:t> 1 : the </a:t>
-            </a:r>
-            <a:r>
-              <a:rPr lang="fr-FR" dirty="0" err="1"/>
-              <a:t>absolute</a:t>
-            </a:r>
-            <a:r>
-              <a:rPr lang="fr-FR" dirty="0"/>
-              <a:t> value </a:t>
+              <a:t>In </a:t>
+            </a:r>
+            <a:r>
+              <a:rPr lang="fr-FR" dirty="0" err="1"/>
+              <a:t>order</a:t>
+            </a:r>
+            <a:r>
+              <a:rPr lang="fr-FR" dirty="0"/>
+              <a:t> to have a </a:t>
+            </a:r>
+            <a:r>
+              <a:rPr lang="fr-FR" dirty="0" err="1"/>
+              <a:t>quadratic</a:t>
+            </a:r>
+            <a:r>
+              <a:rPr lang="fr-FR" dirty="0"/>
+              <a:t> </a:t>
+            </a:r>
+            <a:r>
+              <a:rPr lang="fr-FR" dirty="0" err="1"/>
+              <a:t>constraint</a:t>
+            </a:r>
+            <a:r>
+              <a:rPr lang="fr-FR" dirty="0"/>
+              <a:t>, the main </a:t>
+            </a:r>
+            <a:r>
+              <a:rPr lang="fr-FR" dirty="0" err="1"/>
+              <a:t>constraint</a:t>
+            </a:r>
+            <a:r>
+              <a:rPr lang="fr-FR" dirty="0"/>
+              <a:t> </a:t>
             </a:r>
             <a:r>
               <a:rPr lang="fr-FR" dirty="0" err="1"/>
@@ -4344,11 +3982,11 @@
             </a:r>
             <a:r>
               <a:rPr lang="fr-FR" dirty="0"/>
-              <a:t> the square of the </a:t>
-            </a:r>
-            <a:r>
-              <a:rPr lang="fr-FR" dirty="0" err="1"/>
-              <a:t>cell</a:t>
+              <a:t> split : the multiplication of </a:t>
+            </a:r>
+            <a:r>
+              <a:rPr lang="fr-FR" dirty="0" err="1"/>
+              <a:t>each</a:t>
             </a:r>
             <a:r>
               <a:rPr lang="fr-FR" dirty="0"/>
@@ -4356,7 +3994,7 @@
             </a:r>
             <a:r>
               <a:rPr lang="fr-FR" dirty="0" err="1"/>
-              <a:t>because</a:t>
+              <a:t>aibj</a:t>
             </a:r>
             <a:r>
               <a:rPr lang="fr-FR" dirty="0"/>
@@ -4364,19 +4002,51 @@
             </a:r>
             <a:r>
               <a:rPr lang="fr-FR" dirty="0" err="1"/>
-              <a:t>cells</a:t>
-            </a:r>
-            <a:r>
-              <a:rPr lang="fr-FR" dirty="0"/>
-              <a:t> are </a:t>
-            </a:r>
-            <a:r>
-              <a:rPr lang="fr-FR" dirty="0" err="1"/>
-              <a:t>from</a:t>
-            </a:r>
-            <a:r>
-              <a:rPr lang="fr-FR" dirty="0"/>
-              <a:t> {-1,0,1}.</a:t>
+              <a:t>is</a:t>
+            </a:r>
+            <a:r>
+              <a:rPr lang="fr-FR" dirty="0"/>
+              <a:t> </a:t>
+            </a:r>
+            <a:r>
+              <a:rPr lang="fr-FR" dirty="0" err="1"/>
+              <a:t>stored</a:t>
+            </a:r>
+            <a:r>
+              <a:rPr lang="fr-FR" dirty="0"/>
+              <a:t> in a new variable, and </a:t>
+            </a:r>
+            <a:r>
+              <a:rPr lang="fr-FR" dirty="0" err="1"/>
+              <a:t>then</a:t>
+            </a:r>
+            <a:r>
+              <a:rPr lang="fr-FR" dirty="0"/>
+              <a:t> </a:t>
+            </a:r>
+            <a:r>
+              <a:rPr lang="fr-FR" dirty="0" err="1"/>
+              <a:t>used</a:t>
+            </a:r>
+            <a:r>
+              <a:rPr lang="fr-FR" dirty="0"/>
+              <a:t> in the </a:t>
+            </a:r>
+            <a:r>
+              <a:rPr lang="fr-FR" dirty="0" err="1"/>
+              <a:t>other</a:t>
+            </a:r>
+            <a:r>
+              <a:rPr lang="fr-FR" dirty="0"/>
+              <a:t> </a:t>
+            </a:r>
+            <a:r>
+              <a:rPr lang="fr-FR" dirty="0" err="1"/>
+              <a:t>constraint</a:t>
+            </a:r>
+            <a:r>
+              <a:rPr lang="fr-FR" dirty="0"/>
+              <a:t>.</a:t>
             </a:r>
           </a:p>
           <a:p>
@@ -4385,19 +4055,27 @@
           <a:p>
             <a:r>
               <a:rPr lang="fr-FR" dirty="0"/>
-              <a:t>Objective coefficients on the </a:t>
-            </a:r>
-            <a:r>
-              <a:rPr lang="fr-FR" dirty="0" err="1"/>
-              <a:t>sum</a:t>
-            </a:r>
-            <a:r>
-              <a:rPr lang="fr-FR" dirty="0"/>
-              <a:t> : </a:t>
-            </a:r>
-            <a:r>
-              <a:rPr lang="fr-FR" dirty="0" err="1"/>
-              <a:t>we</a:t>
+              <a:t>A </a:t>
+            </a:r>
+            <a:r>
+              <a:rPr lang="fr-FR" dirty="0" err="1"/>
+              <a:t>function</a:t>
+            </a:r>
+            <a:r>
+              <a:rPr lang="fr-FR" dirty="0"/>
+              <a:t> compares the multiplication of </a:t>
+            </a:r>
+            <a:r>
+              <a:rPr lang="fr-FR" dirty="0" err="1"/>
+              <a:t>random</a:t>
+            </a:r>
+            <a:r>
+              <a:rPr lang="fr-FR" dirty="0"/>
+              <a:t> matrices by the </a:t>
+            </a:r>
+            <a:r>
+              <a:rPr lang="fr-FR" dirty="0" err="1"/>
+              <a:t>algorithm</a:t>
             </a:r>
             <a:r>
               <a:rPr lang="fr-FR" dirty="0"/>
@@ -4405,44 +4083,77 @@
             </a:r>
             <a:r>
               <a:rPr lang="fr-FR" dirty="0" err="1"/>
-              <a:t>add</a:t>
-            </a:r>
-            <a:r>
-              <a:rPr lang="fr-FR" dirty="0"/>
-              <a:t> a new variable </a:t>
-            </a:r>
-            <a:r>
-              <a:rPr lang="fr-FR" dirty="0" err="1"/>
-              <a:t>that</a:t>
-            </a:r>
-            <a:r>
-              <a:rPr lang="fr-FR" dirty="0"/>
-              <a:t> stores the </a:t>
-            </a:r>
-            <a:r>
-              <a:rPr lang="fr-FR" dirty="0" err="1"/>
-              <a:t>sum</a:t>
-            </a:r>
-            <a:r>
-              <a:rPr lang="fr-FR" dirty="0"/>
-              <a:t>, and use </a:t>
-            </a:r>
-            <a:r>
-              <a:rPr lang="fr-FR" dirty="0" err="1"/>
-              <a:t>this</a:t>
-            </a:r>
-            <a:r>
-              <a:rPr lang="fr-FR" dirty="0"/>
-              <a:t> new variable in the objective </a:t>
-            </a:r>
-            <a:r>
-              <a:rPr lang="fr-FR" dirty="0" err="1"/>
-              <a:t>function</a:t>
-            </a:r>
-            <a:r>
-              <a:rPr lang="fr-FR" dirty="0"/>
-              <a:t>.</a:t>
-            </a:r>
+              <a:t>found</a:t>
+            </a:r>
+            <a:r>
+              <a:rPr lang="fr-FR" dirty="0"/>
+              <a:t> and by </a:t>
+            </a:r>
+            <a:r>
+              <a:rPr lang="fr-FR" dirty="0" err="1"/>
+              <a:t>numpy</a:t>
+            </a:r>
+            <a:r>
+              <a:rPr lang="fr-FR" dirty="0"/>
+              <a:t>, if the </a:t>
+            </a:r>
+            <a:r>
+              <a:rPr lang="fr-FR" dirty="0" err="1"/>
+              <a:t>result</a:t>
+            </a:r>
+            <a:r>
+              <a:rPr lang="fr-FR" dirty="0"/>
+              <a:t> </a:t>
+            </a:r>
+            <a:r>
+              <a:rPr lang="fr-FR" dirty="0" err="1"/>
+              <a:t>is</a:t>
+            </a:r>
+            <a:r>
+              <a:rPr lang="fr-FR" dirty="0"/>
+              <a:t> </a:t>
+            </a:r>
+            <a:r>
+              <a:rPr lang="fr-FR" dirty="0" err="1"/>
+              <a:t>identical</a:t>
+            </a:r>
+            <a:r>
+              <a:rPr lang="fr-FR" dirty="0"/>
+              <a:t> </a:t>
+            </a:r>
+            <a:r>
+              <a:rPr lang="fr-FR" dirty="0" err="1"/>
+              <a:t>it</a:t>
+            </a:r>
+            <a:r>
+              <a:rPr lang="fr-FR" dirty="0"/>
+              <a:t> shows the </a:t>
+            </a:r>
+            <a:r>
+              <a:rPr lang="fr-FR" dirty="0" err="1"/>
+              <a:t>result</a:t>
+            </a:r>
+            <a:r>
+              <a:rPr lang="fr-FR" dirty="0"/>
+              <a:t> </a:t>
+            </a:r>
+            <a:r>
+              <a:rPr lang="fr-FR" dirty="0" err="1"/>
+              <a:t>is</a:t>
+            </a:r>
+            <a:r>
+              <a:rPr lang="fr-FR" dirty="0"/>
+              <a:t> correct.</a:t>
+            </a:r>
+          </a:p>
+          <a:p>
+            <a:endParaRPr lang="fr-FR" dirty="0"/>
+          </a:p>
+          <a:p>
+            <a:endParaRPr lang="fr-FR" dirty="0"/>
+          </a:p>
+          <a:p>
+            <a:endParaRPr lang="fr-FR" dirty="0"/>
           </a:p>
         </p:txBody>
       </p:sp>
@@ -4451,7 +4162,7 @@
           <p:cNvPr id="4" name="Espace réservé du numéro de diapositive 3">
             <a:extLst>
               <a:ext uri="{FF2B5EF4-FFF2-40B4-BE49-F238E27FC236}">
-                <a16:creationId xmlns:a16="http://schemas.microsoft.com/office/drawing/2014/main" id="{F1E58F49-CCCC-312E-964B-FBC2DC796A6A}"/>
+                <a16:creationId xmlns:a16="http://schemas.microsoft.com/office/drawing/2014/main" id="{75A5C75D-884F-94EB-073E-F033F60A24C1}"/>
               </a:ext>
             </a:extLst>
           </p:cNvPr>
@@ -4478,7 +4189,7 @@
     </p:spTree>
     <p:extLst>
       <p:ext uri="{BB962C8B-B14F-4D97-AF65-F5344CB8AC3E}">
-        <p14:creationId xmlns:p14="http://schemas.microsoft.com/office/powerpoint/2010/main" val="1933146252"/>
+        <p14:creationId xmlns:p14="http://schemas.microsoft.com/office/powerpoint/2010/main" val="2351509876"/>
       </p:ext>
     </p:extLst>
   </p:cSld>
@@ -4510,7 +4221,7 @@
           <p:cNvPr id="2" name="Titre 1">
             <a:extLst>
               <a:ext uri="{FF2B5EF4-FFF2-40B4-BE49-F238E27FC236}">
-                <a16:creationId xmlns:a16="http://schemas.microsoft.com/office/drawing/2014/main" id="{4FD043E3-05B0-49BE-7743-0DD3FDA99380}"/>
+                <a16:creationId xmlns:a16="http://schemas.microsoft.com/office/drawing/2014/main" id="{C0FF3591-9329-7EAA-34E8-C3732E0E1F66}"/>
               </a:ext>
             </a:extLst>
           </p:cNvPr>
@@ -4528,7 +4239,7 @@
           <a:p>
             <a:r>
               <a:rPr lang="fr-FR" dirty="0" err="1"/>
-              <a:t>Implementation</a:t>
+              <a:t>Results</a:t>
             </a:r>
             <a:endParaRPr lang="fr-FR" dirty="0"/>
           </a:p>
@@ -4539,7 +4250,7 @@
           <p:cNvPr id="3" name="Espace réservé du contenu 2">
             <a:extLst>
               <a:ext uri="{FF2B5EF4-FFF2-40B4-BE49-F238E27FC236}">
-                <a16:creationId xmlns:a16="http://schemas.microsoft.com/office/drawing/2014/main" id="{94CF32DD-1329-DCC0-5315-E17A50B60880}"/>
+                <a16:creationId xmlns:a16="http://schemas.microsoft.com/office/drawing/2014/main" id="{ABF16091-A840-1812-3103-CC8281E61D61}"/>
               </a:ext>
             </a:extLst>
           </p:cNvPr>
@@ -4556,8 +4267,44 @@
           <a:lstStyle/>
           <a:p>
             <a:r>
-              <a:rPr lang="fr-FR" dirty="0"/>
-              <a:t>The </a:t>
+              <a:rPr lang="fr-FR" dirty="0" err="1"/>
+              <a:t>Using</a:t>
+            </a:r>
+            <a:r>
+              <a:rPr lang="fr-FR" dirty="0"/>
+              <a:t> </a:t>
+            </a:r>
+            <a:r>
+              <a:rPr lang="fr-FR" dirty="0" err="1"/>
+              <a:t>only</a:t>
+            </a:r>
+            <a:r>
+              <a:rPr lang="fr-FR" dirty="0"/>
+              <a:t> </a:t>
+            </a:r>
+            <a:r>
+              <a:rPr lang="fr-FR" dirty="0" err="1"/>
+              <a:t>binary</a:t>
+            </a:r>
+            <a:r>
+              <a:rPr lang="fr-FR" dirty="0"/>
+              <a:t> variables, </a:t>
+            </a:r>
+            <a:r>
+              <a:rPr lang="fr-FR" dirty="0" err="1"/>
+              <a:t>it</a:t>
+            </a:r>
+            <a:r>
+              <a:rPr lang="fr-FR" dirty="0"/>
+              <a:t> can </a:t>
+            </a:r>
+            <a:r>
+              <a:rPr lang="fr-FR" dirty="0" err="1"/>
+              <a:t>find</a:t>
+            </a:r>
+            <a:r>
+              <a:rPr lang="fr-FR" dirty="0"/>
+              <a:t> the </a:t>
             </a:r>
             <a:r>
               <a:rPr lang="fr-FR" dirty="0" err="1"/>
@@ -4573,11 +4320,80 @@
             </a:r>
             <a:r>
               <a:rPr lang="fr-FR" dirty="0"/>
+              <a:t> for square matrices </a:t>
+            </a:r>
+            <a:r>
+              <a:rPr lang="fr-FR" dirty="0" err="1"/>
+              <a:t>with</a:t>
+            </a:r>
+            <a:r>
+              <a:rPr lang="fr-FR" dirty="0"/>
+              <a:t> n=2 and n=3.</a:t>
+            </a:r>
+          </a:p>
+          <a:p>
+            <a:endParaRPr lang="fr-FR" dirty="0"/>
+          </a:p>
+          <a:p>
+            <a:r>
+              <a:rPr lang="fr-FR" dirty="0" err="1"/>
+              <a:t>Using</a:t>
+            </a:r>
+            <a:r>
+              <a:rPr lang="fr-FR" dirty="0"/>
+              <a:t> {-1,0,1} </a:t>
+            </a:r>
+            <a:r>
+              <a:rPr lang="fr-FR" dirty="0" err="1"/>
+              <a:t>it</a:t>
+            </a:r>
+            <a:r>
+              <a:rPr lang="fr-FR" dirty="0"/>
+              <a:t> can </a:t>
+            </a:r>
+            <a:r>
+              <a:rPr lang="fr-FR" dirty="0" err="1"/>
+              <a:t>find</a:t>
+            </a:r>
+            <a:r>
+              <a:rPr lang="fr-FR" dirty="0"/>
+              <a:t> an </a:t>
+            </a:r>
+            <a:r>
+              <a:rPr lang="fr-FR" dirty="0" err="1"/>
+              <a:t>algorithm</a:t>
+            </a:r>
+            <a:r>
+              <a:rPr lang="fr-FR" dirty="0"/>
+              <a:t> for n=2. A time </a:t>
+            </a:r>
+            <a:r>
+              <a:rPr lang="fr-FR" dirty="0" err="1"/>
+              <a:t>limit</a:t>
+            </a:r>
+            <a:r>
+              <a:rPr lang="fr-FR" dirty="0"/>
+              <a:t> must </a:t>
+            </a:r>
+            <a:r>
+              <a:rPr lang="fr-FR" dirty="0" err="1"/>
+              <a:t>be</a:t>
+            </a:r>
+            <a:r>
+              <a:rPr lang="fr-FR" dirty="0"/>
               <a:t> </a:t>
             </a:r>
             <a:r>
               <a:rPr lang="fr-FR" dirty="0" err="1"/>
-              <a:t>is</a:t>
+              <a:t>used</a:t>
+            </a:r>
+            <a:r>
+              <a:rPr lang="fr-FR" dirty="0"/>
+              <a:t>, </a:t>
+            </a:r>
+            <a:r>
+              <a:rPr lang="fr-FR" dirty="0" err="1"/>
+              <a:t>so</a:t>
             </a:r>
             <a:r>
               <a:rPr lang="fr-FR" dirty="0"/>
@@ -4585,7 +4401,36 @@
             </a:r>
             <a:r>
               <a:rPr lang="fr-FR" dirty="0" err="1"/>
-              <a:t>computed</a:t>
+              <a:t>it’s</a:t>
+            </a:r>
+            <a:r>
+              <a:rPr lang="fr-FR" dirty="0"/>
+              <a:t> not </a:t>
+            </a:r>
+            <a:r>
+              <a:rPr lang="fr-FR" dirty="0" err="1"/>
+              <a:t>necessarily</a:t>
+            </a:r>
+            <a:r>
+              <a:rPr lang="fr-FR" dirty="0"/>
+              <a:t> the optimal </a:t>
+            </a:r>
+            <a:r>
+              <a:rPr lang="fr-FR" dirty="0" err="1"/>
+              <a:t>number</a:t>
+            </a:r>
+            <a:r>
+              <a:rPr lang="fr-FR" dirty="0"/>
+              <a:t> of additions possible. </a:t>
+            </a:r>
+          </a:p>
+          <a:p>
+            <a:endParaRPr lang="fr-FR" dirty="0"/>
+          </a:p>
+          <a:p>
+            <a:r>
+              <a:rPr lang="fr-FR" dirty="0" err="1"/>
+              <a:t>Unfortunately</a:t>
             </a:r>
             <a:r>
               <a:rPr lang="fr-FR" dirty="0"/>
@@ -4593,7 +4438,7 @@
             </a:r>
             <a:r>
               <a:rPr lang="fr-FR" dirty="0" err="1"/>
-              <a:t>with</a:t>
+              <a:t>it</a:t>
             </a:r>
             <a:r>
               <a:rPr lang="fr-FR" dirty="0"/>
@@ -4601,7 +4446,31 @@
             </a:r>
             <a:r>
               <a:rPr lang="fr-FR" dirty="0" err="1"/>
-              <a:t>numpy</a:t>
+              <a:t>doesn’t</a:t>
+            </a:r>
+            <a:r>
+              <a:rPr lang="fr-FR" dirty="0"/>
+              <a:t> </a:t>
+            </a:r>
+            <a:r>
+              <a:rPr lang="fr-FR" dirty="0" err="1"/>
+              <a:t>find</a:t>
+            </a:r>
+            <a:r>
+              <a:rPr lang="fr-FR" dirty="0"/>
+              <a:t> </a:t>
+            </a:r>
+            <a:r>
+              <a:rPr lang="fr-FR" dirty="0" err="1"/>
+              <a:t>strassen</a:t>
+            </a:r>
+            <a:r>
+              <a:rPr lang="fr-FR" dirty="0"/>
+              <a:t> </a:t>
+            </a:r>
+            <a:r>
+              <a:rPr lang="fr-FR" dirty="0" err="1"/>
+              <a:t>algorithm</a:t>
             </a:r>
             <a:r>
               <a:rPr lang="fr-FR" dirty="0"/>
@@ -4609,40 +4478,7 @@
             </a:r>
             <a:r>
               <a:rPr lang="fr-FR" dirty="0" err="1"/>
-              <a:t>rank</a:t>
-            </a:r>
-            <a:r>
-              <a:rPr lang="fr-FR" dirty="0"/>
-              <a:t> 3 </a:t>
-            </a:r>
-            <a:r>
-              <a:rPr lang="fr-FR" dirty="0" err="1"/>
-              <a:t>tensor</a:t>
-            </a:r>
-            <a:r>
-              <a:rPr lang="fr-FR" dirty="0"/>
-              <a:t>.</a:t>
-            </a:r>
-          </a:p>
-          <a:p>
-            <a:endParaRPr lang="fr-FR" dirty="0"/>
-          </a:p>
-          <a:p>
-            <a:r>
-              <a:rPr lang="fr-FR" dirty="0"/>
-              <a:t>In </a:t>
-            </a:r>
-            <a:r>
-              <a:rPr lang="fr-FR" dirty="0" err="1"/>
-              <a:t>order</a:t>
-            </a:r>
-            <a:r>
-              <a:rPr lang="fr-FR" dirty="0"/>
-              <a:t> to have a </a:t>
-            </a:r>
-            <a:r>
-              <a:rPr lang="fr-FR" dirty="0" err="1"/>
-              <a:t>quadratic</a:t>
+              <a:t>reasonable</a:t>
             </a:r>
             <a:r>
               <a:rPr lang="fr-FR" dirty="0"/>
@@ -4650,206 +4486,12 @@
             </a:r>
             <a:r>
               <a:rPr lang="fr-FR" dirty="0" err="1"/>
-              <a:t>constraint</a:t>
-            </a:r>
-            <a:r>
-              <a:rPr lang="fr-FR" dirty="0"/>
-              <a:t>, the main </a:t>
-            </a:r>
-            <a:r>
-              <a:rPr lang="fr-FR" dirty="0" err="1"/>
-              <a:t>constraint</a:t>
-            </a:r>
-            <a:r>
-              <a:rPr lang="fr-FR" dirty="0"/>
-              <a:t> </a:t>
-            </a:r>
-            <a:r>
-              <a:rPr lang="fr-FR" dirty="0" err="1"/>
-              <a:t>is</a:t>
-            </a:r>
-            <a:r>
-              <a:rPr lang="fr-FR" dirty="0"/>
-              <a:t> split : the multiplication of </a:t>
-            </a:r>
-            <a:r>
-              <a:rPr lang="fr-FR" dirty="0" err="1"/>
-              <a:t>each</a:t>
-            </a:r>
-            <a:r>
-              <a:rPr lang="fr-FR" dirty="0"/>
-              <a:t> </a:t>
-            </a:r>
-            <a:r>
-              <a:rPr lang="fr-FR" dirty="0" err="1"/>
-              <a:t>is</a:t>
-            </a:r>
-            <a:r>
-              <a:rPr lang="fr-FR" dirty="0"/>
-              <a:t> </a:t>
-            </a:r>
-            <a:r>
-              <a:rPr lang="fr-FR" dirty="0" err="1"/>
-              <a:t>aibj</a:t>
-            </a:r>
-            <a:r>
-              <a:rPr lang="fr-FR" dirty="0"/>
-              <a:t> </a:t>
-            </a:r>
-            <a:r>
-              <a:rPr lang="fr-FR" dirty="0" err="1"/>
-              <a:t>is</a:t>
-            </a:r>
-            <a:r>
-              <a:rPr lang="fr-FR" dirty="0"/>
-              <a:t> </a:t>
-            </a:r>
-            <a:r>
-              <a:rPr lang="fr-FR" dirty="0" err="1"/>
-              <a:t>stored</a:t>
-            </a:r>
-            <a:r>
-              <a:rPr lang="fr-FR" dirty="0"/>
-              <a:t> in a new variable, and </a:t>
-            </a:r>
-            <a:r>
-              <a:rPr lang="fr-FR" dirty="0" err="1"/>
-              <a:t>then</a:t>
-            </a:r>
-            <a:r>
-              <a:rPr lang="fr-FR" dirty="0"/>
-              <a:t> </a:t>
-            </a:r>
-            <a:r>
-              <a:rPr lang="fr-FR" dirty="0" err="1"/>
-              <a:t>used</a:t>
-            </a:r>
-            <a:r>
-              <a:rPr lang="fr-FR" dirty="0"/>
-              <a:t> in the </a:t>
-            </a:r>
-            <a:r>
-              <a:rPr lang="fr-FR" dirty="0" err="1"/>
-              <a:t>other</a:t>
-            </a:r>
-            <a:r>
-              <a:rPr lang="fr-FR" dirty="0"/>
-              <a:t> </a:t>
-            </a:r>
-            <a:r>
-              <a:rPr lang="fr-FR" dirty="0" err="1"/>
-              <a:t>constraint</a:t>
-            </a:r>
-            <a:r>
-              <a:rPr lang="fr-FR" dirty="0"/>
-              <a:t>.</a:t>
-            </a:r>
-          </a:p>
-          <a:p>
-            <a:endParaRPr lang="fr-FR" dirty="0"/>
-          </a:p>
-          <a:p>
-            <a:r>
-              <a:rPr lang="fr-FR" dirty="0"/>
-              <a:t>A </a:t>
-            </a:r>
-            <a:r>
-              <a:rPr lang="fr-FR" dirty="0" err="1"/>
-              <a:t>function</a:t>
-            </a:r>
-            <a:r>
-              <a:rPr lang="fr-FR" dirty="0"/>
-              <a:t> compares the multiplication of </a:t>
-            </a:r>
-            <a:r>
-              <a:rPr lang="fr-FR" dirty="0" err="1"/>
-              <a:t>random</a:t>
-            </a:r>
-            <a:r>
-              <a:rPr lang="fr-FR" dirty="0"/>
-              <a:t> matrices by the </a:t>
-            </a:r>
-            <a:r>
-              <a:rPr lang="fr-FR" dirty="0" err="1"/>
-              <a:t>algorithm</a:t>
-            </a:r>
-            <a:r>
-              <a:rPr lang="fr-FR" dirty="0"/>
-              <a:t> </a:t>
-            </a:r>
-            <a:r>
-              <a:rPr lang="fr-FR" dirty="0" err="1"/>
-              <a:t>found</a:t>
-            </a:r>
-            <a:r>
-              <a:rPr lang="fr-FR" dirty="0"/>
-              <a:t> and by </a:t>
-            </a:r>
-            <a:r>
-              <a:rPr lang="fr-FR" dirty="0" err="1"/>
-              <a:t>numpy</a:t>
-            </a:r>
-            <a:r>
-              <a:rPr lang="fr-FR" dirty="0"/>
-              <a:t>, if the </a:t>
-            </a:r>
-            <a:r>
-              <a:rPr lang="fr-FR" dirty="0" err="1"/>
-              <a:t>result</a:t>
-            </a:r>
-            <a:r>
-              <a:rPr lang="fr-FR" dirty="0"/>
-              <a:t> </a:t>
-            </a:r>
-            <a:r>
-              <a:rPr lang="fr-FR" dirty="0" err="1"/>
-              <a:t>is</a:t>
-            </a:r>
-            <a:r>
-              <a:rPr lang="fr-FR" dirty="0"/>
-              <a:t> </a:t>
-            </a:r>
-            <a:r>
-              <a:rPr lang="fr-FR" dirty="0" err="1"/>
-              <a:t>identical</a:t>
-            </a:r>
-            <a:r>
-              <a:rPr lang="fr-FR" dirty="0"/>
-              <a:t> </a:t>
-            </a:r>
-            <a:r>
-              <a:rPr lang="fr-FR" dirty="0" err="1"/>
-              <a:t>it</a:t>
-            </a:r>
-            <a:r>
-              <a:rPr lang="fr-FR" dirty="0"/>
-              <a:t> shows the </a:t>
-            </a:r>
-            <a:r>
-              <a:rPr lang="fr-FR" dirty="0" err="1"/>
-              <a:t>result</a:t>
-            </a:r>
-            <a:r>
-              <a:rPr lang="fr-FR" dirty="0"/>
-              <a:t> </a:t>
-            </a:r>
-            <a:r>
-              <a:rPr lang="fr-FR" dirty="0" err="1"/>
-              <a:t>is</a:t>
-            </a:r>
-            <a:r>
-              <a:rPr lang="fr-FR" dirty="0"/>
-              <a:t> correct.</a:t>
-            </a:r>
-          </a:p>
-          <a:p>
-            <a:endParaRPr lang="fr-FR" dirty="0"/>
-          </a:p>
-          <a:p>
-            <a:endParaRPr lang="fr-FR" dirty="0"/>
-          </a:p>
-          <a:p>
-            <a:endParaRPr lang="fr-FR" dirty="0"/>
+              <a:t>amount</a:t>
+            </a:r>
+            <a:r>
+              <a:rPr lang="fr-FR" dirty="0"/>
+              <a:t> of time.</a:t>
+            </a:r>
           </a:p>
         </p:txBody>
       </p:sp>
@@ -4858,7 +4500,7 @@
           <p:cNvPr id="4" name="Espace réservé du numéro de diapositive 3">
             <a:extLst>
               <a:ext uri="{FF2B5EF4-FFF2-40B4-BE49-F238E27FC236}">
-                <a16:creationId xmlns:a16="http://schemas.microsoft.com/office/drawing/2014/main" id="{75A5C75D-884F-94EB-073E-F033F60A24C1}"/>
+                <a16:creationId xmlns:a16="http://schemas.microsoft.com/office/drawing/2014/main" id="{CDA367FB-ED21-FEFF-AC9E-A2FA7B45E546}"/>
               </a:ext>
             </a:extLst>
           </p:cNvPr>
@@ -4877,348 +4519,6 @@
             <a:fld id="{20C2B34D-5C60-4DAA-9056-FB008A905AE8}" type="slidenum">
               <a:rPr lang="fr-FR" smtClean="0"/>
               <a:t>11</a:t>
-            </a:fld>
-            <a:endParaRPr lang="fr-FR"/>
-          </a:p>
-        </p:txBody>
-      </p:sp>
-    </p:spTree>
-    <p:extLst>
-      <p:ext uri="{BB962C8B-B14F-4D97-AF65-F5344CB8AC3E}">
-        <p14:creationId xmlns:p14="http://schemas.microsoft.com/office/powerpoint/2010/main" val="2351509876"/>
-      </p:ext>
-    </p:extLst>
-  </p:cSld>
-  <p:clrMapOvr>
-    <a:masterClrMapping/>
-  </p:clrMapOvr>
-</p:sld>
-</file>
-
-<file path=ppt/slides/slide12.xml><?xml version="1.0" encoding="utf-8"?>
-<p:sld xmlns:a="http://schemas.openxmlformats.org/drawingml/2006/main" xmlns:r="http://schemas.openxmlformats.org/officeDocument/2006/relationships" xmlns:p="http://schemas.openxmlformats.org/presentationml/2006/main">
-  <p:cSld>
-    <p:spTree>
-      <p:nvGrpSpPr>
-        <p:cNvPr id="1" name=""/>
-        <p:cNvGrpSpPr/>
-        <p:nvPr/>
-      </p:nvGrpSpPr>
-      <p:grpSpPr>
-        <a:xfrm>
-          <a:off x="0" y="0"/>
-          <a:ext cx="0" cy="0"/>
-          <a:chOff x="0" y="0"/>
-          <a:chExt cx="0" cy="0"/>
-        </a:xfrm>
-      </p:grpSpPr>
-      <p:sp>
-        <p:nvSpPr>
-          <p:cNvPr id="2" name="Titre 1">
-            <a:extLst>
-              <a:ext uri="{FF2B5EF4-FFF2-40B4-BE49-F238E27FC236}">
-                <a16:creationId xmlns:a16="http://schemas.microsoft.com/office/drawing/2014/main" id="{C0FF3591-9329-7EAA-34E8-C3732E0E1F66}"/>
-              </a:ext>
-            </a:extLst>
-          </p:cNvPr>
-          <p:cNvSpPr>
-            <a:spLocks noGrp="1"/>
-          </p:cNvSpPr>
-          <p:nvPr>
-            <p:ph type="title"/>
-          </p:nvPr>
-        </p:nvSpPr>
-        <p:spPr/>
-        <p:txBody>
-          <a:bodyPr/>
-          <a:lstStyle/>
-          <a:p>
-            <a:r>
-              <a:rPr lang="fr-FR" dirty="0" err="1"/>
-              <a:t>Results</a:t>
-            </a:r>
-            <a:endParaRPr lang="fr-FR" dirty="0"/>
-          </a:p>
-        </p:txBody>
-      </p:sp>
-      <p:sp>
-        <p:nvSpPr>
-          <p:cNvPr id="3" name="Espace réservé du contenu 2">
-            <a:extLst>
-              <a:ext uri="{FF2B5EF4-FFF2-40B4-BE49-F238E27FC236}">
-                <a16:creationId xmlns:a16="http://schemas.microsoft.com/office/drawing/2014/main" id="{ABF16091-A840-1812-3103-CC8281E61D61}"/>
-              </a:ext>
-            </a:extLst>
-          </p:cNvPr>
-          <p:cNvSpPr>
-            <a:spLocks noGrp="1"/>
-          </p:cNvSpPr>
-          <p:nvPr>
-            <p:ph idx="1"/>
-          </p:nvPr>
-        </p:nvSpPr>
-        <p:spPr/>
-        <p:txBody>
-          <a:bodyPr/>
-          <a:lstStyle/>
-          <a:p>
-            <a:r>
-              <a:rPr lang="fr-FR" dirty="0" err="1"/>
-              <a:t>Using</a:t>
-            </a:r>
-            <a:r>
-              <a:rPr lang="fr-FR" dirty="0"/>
-              <a:t> </a:t>
-            </a:r>
-            <a:r>
-              <a:rPr lang="fr-FR" dirty="0" err="1"/>
-              <a:t>only</a:t>
-            </a:r>
-            <a:r>
-              <a:rPr lang="fr-FR" dirty="0"/>
-              <a:t> </a:t>
-            </a:r>
-            <a:r>
-              <a:rPr lang="fr-FR" dirty="0" err="1"/>
-              <a:t>binary</a:t>
-            </a:r>
-            <a:r>
-              <a:rPr lang="fr-FR" dirty="0"/>
-              <a:t> variables, </a:t>
-            </a:r>
-            <a:r>
-              <a:rPr lang="fr-FR" dirty="0" err="1"/>
-              <a:t>it</a:t>
-            </a:r>
-            <a:r>
-              <a:rPr lang="fr-FR" dirty="0"/>
-              <a:t> can </a:t>
-            </a:r>
-            <a:r>
-              <a:rPr lang="fr-FR" dirty="0" err="1"/>
-              <a:t>find</a:t>
-            </a:r>
-            <a:r>
-              <a:rPr lang="fr-FR" dirty="0"/>
-              <a:t> the </a:t>
-            </a:r>
-            <a:r>
-              <a:rPr lang="fr-FR" dirty="0" err="1"/>
-              <a:t>naive</a:t>
-            </a:r>
-            <a:r>
-              <a:rPr lang="fr-FR" dirty="0"/>
-              <a:t> </a:t>
-            </a:r>
-            <a:r>
-              <a:rPr lang="fr-FR" dirty="0" err="1"/>
-              <a:t>algorithm</a:t>
-            </a:r>
-            <a:r>
-              <a:rPr lang="fr-FR" dirty="0"/>
-              <a:t> for square matrices </a:t>
-            </a:r>
-            <a:r>
-              <a:rPr lang="fr-FR" dirty="0" err="1"/>
-              <a:t>with</a:t>
-            </a:r>
-            <a:r>
-              <a:rPr lang="fr-FR" dirty="0"/>
-              <a:t> n=2 and n=</a:t>
-            </a:r>
-            <a:r>
-              <a:rPr lang="fr-FR"/>
-              <a:t>3.</a:t>
-            </a:r>
-          </a:p>
-          <a:p>
-            <a:endParaRPr lang="fr-FR" dirty="0"/>
-          </a:p>
-          <a:p>
-            <a:r>
-              <a:rPr lang="fr-FR" dirty="0" err="1"/>
-              <a:t>Using</a:t>
-            </a:r>
-            <a:r>
-              <a:rPr lang="fr-FR" dirty="0"/>
-              <a:t> {-1,0,1} </a:t>
-            </a:r>
-            <a:r>
-              <a:rPr lang="fr-FR" dirty="0" err="1"/>
-              <a:t>it</a:t>
-            </a:r>
-            <a:r>
-              <a:rPr lang="fr-FR" dirty="0"/>
-              <a:t> can </a:t>
-            </a:r>
-            <a:r>
-              <a:rPr lang="fr-FR" dirty="0" err="1"/>
-              <a:t>find</a:t>
-            </a:r>
-            <a:r>
-              <a:rPr lang="fr-FR" dirty="0"/>
-              <a:t> the an </a:t>
-            </a:r>
-            <a:r>
-              <a:rPr lang="fr-FR" dirty="0" err="1"/>
-              <a:t>algorithm</a:t>
-            </a:r>
-            <a:r>
-              <a:rPr lang="fr-FR" dirty="0"/>
-              <a:t> for n=2. A time </a:t>
-            </a:r>
-            <a:r>
-              <a:rPr lang="fr-FR" dirty="0" err="1"/>
-              <a:t>limit</a:t>
-            </a:r>
-            <a:r>
-              <a:rPr lang="fr-FR" dirty="0"/>
-              <a:t> must </a:t>
-            </a:r>
-            <a:r>
-              <a:rPr lang="fr-FR" dirty="0" err="1"/>
-              <a:t>be</a:t>
-            </a:r>
-            <a:r>
-              <a:rPr lang="fr-FR" dirty="0"/>
-              <a:t> </a:t>
-            </a:r>
-            <a:r>
-              <a:rPr lang="fr-FR" dirty="0" err="1"/>
-              <a:t>used</a:t>
-            </a:r>
-            <a:r>
-              <a:rPr lang="fr-FR" dirty="0"/>
-              <a:t>, </a:t>
-            </a:r>
-            <a:r>
-              <a:rPr lang="fr-FR" dirty="0" err="1"/>
-              <a:t>so</a:t>
-            </a:r>
-            <a:r>
-              <a:rPr lang="fr-FR" dirty="0"/>
-              <a:t> </a:t>
-            </a:r>
-            <a:r>
-              <a:rPr lang="fr-FR" dirty="0" err="1"/>
-              <a:t>it’s</a:t>
-            </a:r>
-            <a:r>
-              <a:rPr lang="fr-FR" dirty="0"/>
-              <a:t> not </a:t>
-            </a:r>
-            <a:r>
-              <a:rPr lang="fr-FR" dirty="0" err="1"/>
-              <a:t>necessarily</a:t>
-            </a:r>
-            <a:r>
-              <a:rPr lang="fr-FR" dirty="0"/>
-              <a:t> the optimal </a:t>
-            </a:r>
-            <a:r>
-              <a:rPr lang="fr-FR" dirty="0" err="1"/>
-              <a:t>number</a:t>
-            </a:r>
-            <a:r>
-              <a:rPr lang="fr-FR" dirty="0"/>
-              <a:t> of additions possible. </a:t>
-            </a:r>
-          </a:p>
-          <a:p>
-            <a:endParaRPr lang="fr-FR" dirty="0"/>
-          </a:p>
-          <a:p>
-            <a:r>
-              <a:rPr lang="fr-FR" dirty="0" err="1"/>
-              <a:t>Unfortunately</a:t>
-            </a:r>
-            <a:r>
-              <a:rPr lang="fr-FR" dirty="0"/>
-              <a:t> </a:t>
-            </a:r>
-            <a:r>
-              <a:rPr lang="fr-FR" dirty="0" err="1"/>
-              <a:t>it</a:t>
-            </a:r>
-            <a:r>
-              <a:rPr lang="fr-FR" dirty="0"/>
-              <a:t> </a:t>
-            </a:r>
-            <a:r>
-              <a:rPr lang="fr-FR" dirty="0" err="1"/>
-              <a:t>doesn’t</a:t>
-            </a:r>
-            <a:r>
-              <a:rPr lang="fr-FR" dirty="0"/>
-              <a:t> </a:t>
-            </a:r>
-            <a:r>
-              <a:rPr lang="fr-FR" dirty="0" err="1"/>
-              <a:t>find</a:t>
-            </a:r>
-            <a:r>
-              <a:rPr lang="fr-FR" dirty="0"/>
-              <a:t> </a:t>
-            </a:r>
-            <a:r>
-              <a:rPr lang="fr-FR" dirty="0" err="1"/>
-              <a:t>strassen</a:t>
-            </a:r>
-            <a:r>
-              <a:rPr lang="fr-FR" dirty="0"/>
-              <a:t> </a:t>
-            </a:r>
-            <a:r>
-              <a:rPr lang="fr-FR" dirty="0" err="1"/>
-              <a:t>algorithm</a:t>
-            </a:r>
-            <a:r>
-              <a:rPr lang="fr-FR" dirty="0"/>
-              <a:t> in a </a:t>
-            </a:r>
-            <a:r>
-              <a:rPr lang="fr-FR" dirty="0" err="1"/>
-              <a:t>reasonable</a:t>
-            </a:r>
-            <a:r>
-              <a:rPr lang="fr-FR" dirty="0"/>
-              <a:t> </a:t>
-            </a:r>
-            <a:r>
-              <a:rPr lang="fr-FR" dirty="0" err="1"/>
-              <a:t>amount</a:t>
-            </a:r>
-            <a:r>
-              <a:rPr lang="fr-FR" dirty="0"/>
-              <a:t> of time.</a:t>
-            </a:r>
-          </a:p>
-        </p:txBody>
-      </p:sp>
-      <p:sp>
-        <p:nvSpPr>
-          <p:cNvPr id="4" name="Espace réservé du numéro de diapositive 3">
-            <a:extLst>
-              <a:ext uri="{FF2B5EF4-FFF2-40B4-BE49-F238E27FC236}">
-                <a16:creationId xmlns:a16="http://schemas.microsoft.com/office/drawing/2014/main" id="{CDA367FB-ED21-FEFF-AC9E-A2FA7B45E546}"/>
-              </a:ext>
-            </a:extLst>
-          </p:cNvPr>
-          <p:cNvSpPr>
-            <a:spLocks noGrp="1"/>
-          </p:cNvSpPr>
-          <p:nvPr>
-            <p:ph type="sldNum" sz="quarter" idx="12"/>
-          </p:nvPr>
-        </p:nvSpPr>
-        <p:spPr/>
-        <p:txBody>
-          <a:bodyPr/>
-          <a:lstStyle/>
-          <a:p>
-            <a:fld id="{20C2B34D-5C60-4DAA-9056-FB008A905AE8}" type="slidenum">
-              <a:rPr lang="fr-FR" smtClean="0"/>
-              <a:t>12</a:t>
             </a:fld>
             <a:endParaRPr lang="fr-FR"/>
           </a:p>
@@ -5607,7 +4907,7 @@
           <p:cNvPr id="2" name="Titre 1">
             <a:extLst>
               <a:ext uri="{FF2B5EF4-FFF2-40B4-BE49-F238E27FC236}">
-                <a16:creationId xmlns:a16="http://schemas.microsoft.com/office/drawing/2014/main" id="{F2A2C68C-7F6D-6940-3184-C28A3E9541E9}"/>
+                <a16:creationId xmlns:a16="http://schemas.microsoft.com/office/drawing/2014/main" id="{A70C2C29-E96F-0DEC-6AA4-68BE1AF619E4}"/>
               </a:ext>
             </a:extLst>
           </p:cNvPr>
@@ -5618,76 +4918,99 @@
             <p:ph type="title"/>
           </p:nvPr>
         </p:nvSpPr>
-        <p:spPr/>
-        <p:txBody>
-          <a:bodyPr/>
-          <a:lstStyle/>
-          <a:p>
-            <a:endParaRPr lang="fr-FR"/>
-          </a:p>
-        </p:txBody>
-      </p:sp>
-      <p:sp>
-        <p:nvSpPr>
-          <p:cNvPr id="3" name="Espace réservé du contenu 2">
-            <a:extLst>
-              <a:ext uri="{FF2B5EF4-FFF2-40B4-BE49-F238E27FC236}">
-                <a16:creationId xmlns:a16="http://schemas.microsoft.com/office/drawing/2014/main" id="{0918ED8A-E406-09AD-DE66-AE4545770CBD}"/>
-              </a:ext>
-            </a:extLst>
-          </p:cNvPr>
-          <p:cNvSpPr>
-            <a:spLocks noGrp="1"/>
-          </p:cNvSpPr>
+        <p:spPr>
+          <a:xfrm>
+            <a:off x="838199" y="365125"/>
+            <a:ext cx="10824607" cy="1325563"/>
+          </a:xfrm>
+        </p:spPr>
+        <p:txBody>
+          <a:bodyPr/>
+          <a:lstStyle/>
+          <a:p>
+            <a:r>
+              <a:rPr lang="fr-FR" dirty="0"/>
+              <a:t>Matrix multiplication </a:t>
+            </a:r>
+            <a:r>
+              <a:rPr lang="fr-FR" dirty="0" err="1"/>
+              <a:t>tensor</a:t>
+            </a:r>
+            <a:r>
+              <a:rPr lang="fr-FR" dirty="0"/>
+              <a:t>, </a:t>
+            </a:r>
+            <a:r>
+              <a:rPr lang="fr-FR" dirty="0" err="1"/>
+              <a:t>Strassen</a:t>
+            </a:r>
+            <a:r>
+              <a:rPr lang="fr-FR" dirty="0"/>
+              <a:t> </a:t>
+            </a:r>
+            <a:r>
+              <a:rPr lang="fr-FR" dirty="0" err="1"/>
+              <a:t>example</a:t>
+            </a:r>
+            <a:endParaRPr lang="fr-FR" dirty="0"/>
+          </a:p>
+        </p:txBody>
+      </p:sp>
+      <p:pic>
+        <p:nvPicPr>
+          <p:cNvPr id="2054" name="Picture 6" descr="Fig. 1">
+            <a:extLst>
+              <a:ext uri="{FF2B5EF4-FFF2-40B4-BE49-F238E27FC236}">
+                <a16:creationId xmlns:a16="http://schemas.microsoft.com/office/drawing/2014/main" id="{6F4C7158-230C-4FB3-7312-4DF00D87C5E9}"/>
+              </a:ext>
+            </a:extLst>
+          </p:cNvPr>
+          <p:cNvPicPr>
+            <a:picLocks noGrp="1" noChangeAspect="1" noChangeArrowheads="1"/>
+          </p:cNvPicPr>
           <p:nvPr>
             <p:ph idx="1"/>
           </p:nvPr>
-        </p:nvSpPr>
-        <p:spPr/>
-        <p:txBody>
-          <a:bodyPr/>
-          <a:lstStyle/>
-          <a:p>
-            <a:r>
-              <a:rPr lang="fr-FR" dirty="0" err="1"/>
-              <a:t>History</a:t>
-            </a:r>
-            <a:endParaRPr lang="fr-FR" dirty="0"/>
-          </a:p>
-          <a:p>
-            <a:r>
-              <a:rPr lang="fr-FR" dirty="0"/>
-              <a:t>Structure of matrix multiplication</a:t>
-            </a:r>
-          </a:p>
-          <a:p>
-            <a:r>
-              <a:rPr lang="fr-FR" dirty="0"/>
-              <a:t>ILP</a:t>
-            </a:r>
-          </a:p>
-          <a:p>
-            <a:r>
-              <a:rPr lang="fr-FR" dirty="0" err="1"/>
-              <a:t>Implementation</a:t>
-            </a:r>
-            <a:endParaRPr lang="fr-FR" dirty="0"/>
-          </a:p>
-          <a:p>
-            <a:r>
-              <a:rPr lang="fr-FR" dirty="0" err="1"/>
-              <a:t>results</a:t>
-            </a:r>
-            <a:endParaRPr lang="fr-FR" dirty="0"/>
-          </a:p>
-        </p:txBody>
-      </p:sp>
+        </p:nvPicPr>
+        <p:blipFill>
+          <a:blip r:embed="rId2">
+            <a:extLst>
+              <a:ext uri="{28A0092B-C50C-407E-A947-70E740481C1C}">
+                <a14:useLocalDpi xmlns:a14="http://schemas.microsoft.com/office/drawing/2010/main" val="0"/>
+              </a:ext>
+            </a:extLst>
+          </a:blip>
+          <a:srcRect/>
+          <a:stretch>
+            <a:fillRect/>
+          </a:stretch>
+        </p:blipFill>
+        <p:spPr bwMode="auto">
+          <a:xfrm>
+            <a:off x="838200" y="1917801"/>
+            <a:ext cx="10515600" cy="4166985"/>
+          </a:xfrm>
+          <a:prstGeom prst="rect">
+            <a:avLst/>
+          </a:prstGeom>
+          <a:noFill/>
+          <a:extLst>
+            <a:ext uri="{909E8E84-426E-40DD-AFC4-6F175D3DCCD1}">
+              <a14:hiddenFill xmlns:a14="http://schemas.microsoft.com/office/drawing/2010/main">
+                <a:solidFill>
+                  <a:srgbClr val="FFFFFF"/>
+                </a:solidFill>
+              </a14:hiddenFill>
+            </a:ext>
+          </a:extLst>
+        </p:spPr>
+      </p:pic>
       <p:sp>
         <p:nvSpPr>
           <p:cNvPr id="4" name="Espace réservé du numéro de diapositive 3">
             <a:extLst>
               <a:ext uri="{FF2B5EF4-FFF2-40B4-BE49-F238E27FC236}">
-                <a16:creationId xmlns:a16="http://schemas.microsoft.com/office/drawing/2014/main" id="{DEC19AD0-7DD6-A8A9-0364-68E97E5736DB}"/>
+                <a16:creationId xmlns:a16="http://schemas.microsoft.com/office/drawing/2014/main" id="{CAD35DBA-5DA8-7D5F-12A5-812D6470EB6B}"/>
               </a:ext>
             </a:extLst>
           </p:cNvPr>
@@ -5714,7 +5037,7 @@
     </p:spTree>
     <p:extLst>
       <p:ext uri="{BB962C8B-B14F-4D97-AF65-F5344CB8AC3E}">
-        <p14:creationId xmlns:p14="http://schemas.microsoft.com/office/powerpoint/2010/main" val="2382936373"/>
+        <p14:creationId xmlns:p14="http://schemas.microsoft.com/office/powerpoint/2010/main" val="774819308"/>
       </p:ext>
     </p:extLst>
   </p:cSld>
@@ -5746,7 +5069,7 @@
           <p:cNvPr id="2" name="Titre 1">
             <a:extLst>
               <a:ext uri="{FF2B5EF4-FFF2-40B4-BE49-F238E27FC236}">
-                <a16:creationId xmlns:a16="http://schemas.microsoft.com/office/drawing/2014/main" id="{A70C2C29-E96F-0DEC-6AA4-68BE1AF619E4}"/>
+                <a16:creationId xmlns:a16="http://schemas.microsoft.com/office/drawing/2014/main" id="{AC7A7E98-708B-098E-4C48-8D96B3D7B03B}"/>
               </a:ext>
             </a:extLst>
           </p:cNvPr>
@@ -5757,12 +5080,7 @@
             <p:ph type="title"/>
           </p:nvPr>
         </p:nvSpPr>
-        <p:spPr>
-          <a:xfrm>
-            <a:off x="838199" y="365125"/>
-            <a:ext cx="10824607" cy="1325563"/>
-          </a:xfrm>
-        </p:spPr>
+        <p:spPr/>
         <p:txBody>
           <a:bodyPr/>
           <a:lstStyle/>
@@ -5781,7 +5099,7 @@
             </a:r>
             <a:r>
               <a:rPr lang="fr-FR" dirty="0" err="1"/>
-              <a:t>Strassen</a:t>
+              <a:t>naive</a:t>
             </a:r>
             <a:r>
               <a:rPr lang="fr-FR" dirty="0"/>
@@ -5789,7 +5107,7 @@
             </a:r>
             <a:r>
               <a:rPr lang="fr-FR" dirty="0" err="1"/>
-              <a:t>example</a:t>
+              <a:t>algorithm</a:t>
             </a:r>
             <a:endParaRPr lang="fr-FR" dirty="0"/>
           </a:p>
@@ -5797,59 +5115,39 @@
       </p:sp>
       <p:pic>
         <p:nvPicPr>
-          <p:cNvPr id="2054" name="Picture 6" descr="Fig. 1">
-            <a:extLst>
-              <a:ext uri="{FF2B5EF4-FFF2-40B4-BE49-F238E27FC236}">
-                <a16:creationId xmlns:a16="http://schemas.microsoft.com/office/drawing/2014/main" id="{6F4C7158-230C-4FB3-7312-4DF00D87C5E9}"/>
+          <p:cNvPr id="5" name="Espace réservé du contenu 4">
+            <a:extLst>
+              <a:ext uri="{FF2B5EF4-FFF2-40B4-BE49-F238E27FC236}">
+                <a16:creationId xmlns:a16="http://schemas.microsoft.com/office/drawing/2014/main" id="{D6FE2C9C-04BB-3518-86DA-0022209D115B}"/>
               </a:ext>
             </a:extLst>
           </p:cNvPr>
           <p:cNvPicPr>
-            <a:picLocks noGrp="1" noChangeAspect="1" noChangeArrowheads="1"/>
+            <a:picLocks noGrp="1" noChangeAspect="1"/>
           </p:cNvPicPr>
           <p:nvPr>
             <p:ph idx="1"/>
           </p:nvPr>
         </p:nvPicPr>
         <p:blipFill>
-          <a:blip r:embed="rId2">
-            <a:extLst>
-              <a:ext uri="{28A0092B-C50C-407E-A947-70E740481C1C}">
-                <a14:useLocalDpi xmlns:a14="http://schemas.microsoft.com/office/drawing/2010/main" val="0"/>
-              </a:ext>
-            </a:extLst>
-          </a:blip>
-          <a:srcRect/>
+          <a:blip r:embed="rId2"/>
           <a:stretch>
             <a:fillRect/>
           </a:stretch>
         </p:blipFill>
-        <p:spPr bwMode="auto">
+        <p:spPr>
           <a:xfrm>
-            <a:off x="838200" y="1917801"/>
-            <a:ext cx="10515600" cy="4166985"/>
+            <a:off x="2703933" y="1781829"/>
+            <a:ext cx="5273226" cy="4526715"/>
           </a:xfrm>
-          <a:prstGeom prst="rect">
-            <a:avLst/>
-          </a:prstGeom>
-          <a:noFill/>
-          <a:extLst>
-            <a:ext uri="{909E8E84-426E-40DD-AFC4-6F175D3DCCD1}">
-              <a14:hiddenFill xmlns:a14="http://schemas.microsoft.com/office/drawing/2010/main">
-                <a:solidFill>
-                  <a:srgbClr val="FFFFFF"/>
-                </a:solidFill>
-              </a14:hiddenFill>
-            </a:ext>
-          </a:extLst>
         </p:spPr>
       </p:pic>
       <p:sp>
         <p:nvSpPr>
-          <p:cNvPr id="4" name="Espace réservé du numéro de diapositive 3">
-            <a:extLst>
-              <a:ext uri="{FF2B5EF4-FFF2-40B4-BE49-F238E27FC236}">
-                <a16:creationId xmlns:a16="http://schemas.microsoft.com/office/drawing/2014/main" id="{CAD35DBA-5DA8-7D5F-12A5-812D6470EB6B}"/>
+          <p:cNvPr id="6" name="Espace réservé du numéro de diapositive 5">
+            <a:extLst>
+              <a:ext uri="{FF2B5EF4-FFF2-40B4-BE49-F238E27FC236}">
+                <a16:creationId xmlns:a16="http://schemas.microsoft.com/office/drawing/2014/main" id="{578EBF25-93B6-838A-43D9-0E555811DE94}"/>
               </a:ext>
             </a:extLst>
           </p:cNvPr>
@@ -5876,7 +5174,7 @@
     </p:spTree>
     <p:extLst>
       <p:ext uri="{BB962C8B-B14F-4D97-AF65-F5344CB8AC3E}">
-        <p14:creationId xmlns:p14="http://schemas.microsoft.com/office/powerpoint/2010/main" val="774819308"/>
+        <p14:creationId xmlns:p14="http://schemas.microsoft.com/office/powerpoint/2010/main" val="4173696308"/>
       </p:ext>
     </p:extLst>
   </p:cSld>
@@ -5908,7 +5206,7 @@
           <p:cNvPr id="2" name="Titre 1">
             <a:extLst>
               <a:ext uri="{FF2B5EF4-FFF2-40B4-BE49-F238E27FC236}">
-                <a16:creationId xmlns:a16="http://schemas.microsoft.com/office/drawing/2014/main" id="{AC7A7E98-708B-098E-4C48-8D96B3D7B03B}"/>
+                <a16:creationId xmlns:a16="http://schemas.microsoft.com/office/drawing/2014/main" id="{027A01A6-6957-D9BE-A319-7219912D2C0D}"/>
               </a:ext>
             </a:extLst>
           </p:cNvPr>
@@ -5926,17 +5224,132 @@
           <a:p>
             <a:r>
               <a:rPr lang="fr-FR" dirty="0"/>
-              <a:t>Matrix multiplication </a:t>
-            </a:r>
-            <a:r>
-              <a:rPr lang="fr-FR" dirty="0" err="1"/>
-              <a:t>tensor</a:t>
+              <a:t>ILP formulation : main </a:t>
+            </a:r>
+            <a:r>
+              <a:rPr lang="fr-FR" dirty="0" err="1"/>
+              <a:t>constraint</a:t>
+            </a:r>
+            <a:endParaRPr lang="fr-FR" dirty="0"/>
+          </a:p>
+        </p:txBody>
+      </p:sp>
+      <p:sp>
+        <p:nvSpPr>
+          <p:cNvPr id="3" name="Espace réservé du contenu 2">
+            <a:extLst>
+              <a:ext uri="{FF2B5EF4-FFF2-40B4-BE49-F238E27FC236}">
+                <a16:creationId xmlns:a16="http://schemas.microsoft.com/office/drawing/2014/main" id="{9A084B31-5A39-C20F-9FFF-D5604B12C521}"/>
+              </a:ext>
+            </a:extLst>
+          </p:cNvPr>
+          <p:cNvSpPr>
+            <a:spLocks noGrp="1"/>
+          </p:cNvSpPr>
+          <p:nvPr>
+            <p:ph idx="1"/>
+          </p:nvPr>
+        </p:nvSpPr>
+        <p:spPr/>
+        <p:txBody>
+          <a:bodyPr/>
+          <a:lstStyle/>
+          <a:p>
+            <a:r>
+              <a:rPr lang="fr-FR" dirty="0"/>
+              <a:t>The </a:t>
+            </a:r>
+            <a:r>
+              <a:rPr lang="fr-FR" dirty="0" err="1"/>
+              <a:t>three</a:t>
+            </a:r>
+            <a:r>
+              <a:rPr lang="fr-FR" dirty="0"/>
+              <a:t> </a:t>
+            </a:r>
+            <a:r>
+              <a:rPr lang="fr-FR" dirty="0" err="1"/>
+              <a:t>tensors</a:t>
+            </a:r>
+            <a:r>
+              <a:rPr lang="fr-FR" dirty="0"/>
+              <a:t> u, v and w are </a:t>
+            </a:r>
+            <a:r>
+              <a:rPr lang="fr-FR" dirty="0" err="1"/>
+              <a:t>called</a:t>
+            </a:r>
+            <a:r>
+              <a:rPr lang="fr-FR" dirty="0"/>
+              <a:t> </a:t>
+            </a:r>
+            <a:r>
+              <a:rPr lang="el-GR" dirty="0"/>
+              <a:t>α</a:t>
             </a:r>
             <a:r>
               <a:rPr lang="fr-FR" dirty="0"/>
               <a:t>, </a:t>
             </a:r>
             <a:r>
+              <a:rPr lang="el-GR" dirty="0"/>
+              <a:t>β</a:t>
+            </a:r>
+            <a:r>
+              <a:rPr lang="fr-FR" dirty="0"/>
+              <a:t> and </a:t>
+            </a:r>
+            <a:r>
+              <a:rPr lang="el-GR" dirty="0">
+                <a:latin typeface="Calibri" panose="020F0502020204030204" pitchFamily="34" charset="0"/>
+                <a:cs typeface="Calibri" panose="020F0502020204030204" pitchFamily="34" charset="0"/>
+              </a:rPr>
+              <a:t>γ</a:t>
+            </a:r>
+            <a:endParaRPr lang="fr-FR" dirty="0"/>
+          </a:p>
+          <a:p>
+            <a:r>
+              <a:rPr lang="fr-FR" dirty="0" err="1"/>
+              <a:t>Whatever</a:t>
+            </a:r>
+            <a:r>
+              <a:rPr lang="fr-FR" dirty="0"/>
+              <a:t> the </a:t>
+            </a:r>
+            <a:r>
+              <a:rPr lang="fr-FR" dirty="0" err="1"/>
+              <a:t>intermediate</a:t>
+            </a:r>
+            <a:r>
+              <a:rPr lang="fr-FR" dirty="0"/>
+              <a:t> M are for an </a:t>
+            </a:r>
+            <a:r>
+              <a:rPr lang="fr-FR" dirty="0" err="1"/>
+              <a:t>algorithm</a:t>
+            </a:r>
+            <a:r>
+              <a:rPr lang="fr-FR" dirty="0"/>
+              <a:t>, the formula of </a:t>
+            </a:r>
+            <a:r>
+              <a:rPr lang="fr-FR" dirty="0" err="1"/>
+              <a:t>Cij</a:t>
+            </a:r>
+            <a:r>
+              <a:rPr lang="fr-FR" dirty="0"/>
+              <a:t> must use the </a:t>
+            </a:r>
+            <a:r>
+              <a:rPr lang="fr-FR" dirty="0" err="1"/>
+              <a:t>same</a:t>
+            </a:r>
+            <a:r>
+              <a:rPr lang="fr-FR" dirty="0"/>
+              <a:t> multiplications as in the </a:t>
+            </a:r>
+            <a:r>
               <a:rPr lang="fr-FR" dirty="0" err="1"/>
               <a:t>naive</a:t>
             </a:r>
@@ -5948,45 +5361,62 @@
               <a:rPr lang="fr-FR" dirty="0" err="1"/>
               <a:t>algorithm</a:t>
             </a:r>
+            <a:r>
+              <a:rPr lang="fr-FR" dirty="0"/>
+              <a:t>.</a:t>
+            </a:r>
+          </a:p>
+          <a:p>
+            <a:r>
+              <a:rPr lang="fr-FR" dirty="0"/>
+              <a:t>Example </a:t>
+            </a:r>
+            <a:r>
+              <a:rPr lang="fr-FR" dirty="0" err="1"/>
+              <a:t>with</a:t>
+            </a:r>
+            <a:r>
+              <a:rPr lang="fr-FR" dirty="0"/>
+              <a:t> C2 :</a:t>
+            </a:r>
+          </a:p>
+          <a:p>
+            <a:pPr lvl="1"/>
+            <a:r>
+              <a:rPr lang="fr-FR" dirty="0" err="1"/>
+              <a:t>Naive</a:t>
+            </a:r>
+            <a:r>
+              <a:rPr lang="fr-FR" dirty="0"/>
+              <a:t> :      m3 + m4                                              =  a1b2 + a2b4</a:t>
+            </a:r>
+          </a:p>
+          <a:p>
+            <a:pPr lvl="1"/>
+            <a:r>
+              <a:rPr lang="fr-FR" dirty="0" err="1"/>
+              <a:t>Strassen</a:t>
+            </a:r>
+            <a:r>
+              <a:rPr lang="fr-FR" dirty="0"/>
+              <a:t> : m3 + m5 = a1(b2-b4) + (a1+a2)b4 =  a1b2 + a2b4</a:t>
+            </a:r>
+          </a:p>
+          <a:p>
+            <a:pPr lvl="1"/>
             <a:endParaRPr lang="fr-FR" dirty="0"/>
           </a:p>
-        </p:txBody>
-      </p:sp>
-      <p:pic>
-        <p:nvPicPr>
-          <p:cNvPr id="5" name="Espace réservé du contenu 4">
-            <a:extLst>
-              <a:ext uri="{FF2B5EF4-FFF2-40B4-BE49-F238E27FC236}">
-                <a16:creationId xmlns:a16="http://schemas.microsoft.com/office/drawing/2014/main" id="{D6FE2C9C-04BB-3518-86DA-0022209D115B}"/>
-              </a:ext>
-            </a:extLst>
-          </p:cNvPr>
-          <p:cNvPicPr>
-            <a:picLocks noGrp="1" noChangeAspect="1"/>
-          </p:cNvPicPr>
-          <p:nvPr>
-            <p:ph idx="1"/>
-          </p:nvPr>
-        </p:nvPicPr>
-        <p:blipFill>
-          <a:blip r:embed="rId2"/>
-          <a:stretch>
-            <a:fillRect/>
-          </a:stretch>
-        </p:blipFill>
-        <p:spPr>
-          <a:xfrm>
-            <a:off x="2703933" y="1781829"/>
-            <a:ext cx="5273226" cy="4526715"/>
-          </a:xfrm>
-        </p:spPr>
-      </p:pic>
-      <p:sp>
-        <p:nvSpPr>
-          <p:cNvPr id="6" name="Espace réservé du numéro de diapositive 5">
-            <a:extLst>
-              <a:ext uri="{FF2B5EF4-FFF2-40B4-BE49-F238E27FC236}">
-                <a16:creationId xmlns:a16="http://schemas.microsoft.com/office/drawing/2014/main" id="{578EBF25-93B6-838A-43D9-0E555811DE94}"/>
+          <a:p>
+            <a:endParaRPr lang="fr-FR" dirty="0"/>
+          </a:p>
+        </p:txBody>
+      </p:sp>
+      <p:sp>
+        <p:nvSpPr>
+          <p:cNvPr id="4" name="Espace réservé du numéro de diapositive 3">
+            <a:extLst>
+              <a:ext uri="{FF2B5EF4-FFF2-40B4-BE49-F238E27FC236}">
+                <a16:creationId xmlns:a16="http://schemas.microsoft.com/office/drawing/2014/main" id="{9897C98B-91A5-6CEB-835B-F667CA58E050}"/>
               </a:ext>
             </a:extLst>
           </p:cNvPr>
@@ -6013,7 +5443,7 @@
     </p:spTree>
     <p:extLst>
       <p:ext uri="{BB962C8B-B14F-4D97-AF65-F5344CB8AC3E}">
-        <p14:creationId xmlns:p14="http://schemas.microsoft.com/office/powerpoint/2010/main" val="4173696308"/>
+        <p14:creationId xmlns:p14="http://schemas.microsoft.com/office/powerpoint/2010/main" val="2355048238"/>
       </p:ext>
     </p:extLst>
   </p:cSld>
@@ -6045,299 +5475,6 @@
           <p:cNvPr id="2" name="Titre 1">
             <a:extLst>
               <a:ext uri="{FF2B5EF4-FFF2-40B4-BE49-F238E27FC236}">
-                <a16:creationId xmlns:a16="http://schemas.microsoft.com/office/drawing/2014/main" id="{027A01A6-6957-D9BE-A319-7219912D2C0D}"/>
-              </a:ext>
-            </a:extLst>
-          </p:cNvPr>
-          <p:cNvSpPr>
-            <a:spLocks noGrp="1"/>
-          </p:cNvSpPr>
-          <p:nvPr>
-            <p:ph type="title"/>
-          </p:nvPr>
-        </p:nvSpPr>
-        <p:spPr/>
-        <p:txBody>
-          <a:bodyPr/>
-          <a:lstStyle/>
-          <a:p>
-            <a:r>
-              <a:rPr lang="fr-FR" dirty="0"/>
-              <a:t>ILP formulation : main </a:t>
-            </a:r>
-            <a:r>
-              <a:rPr lang="fr-FR" dirty="0" err="1"/>
-              <a:t>constraint</a:t>
-            </a:r>
-            <a:endParaRPr lang="fr-FR" dirty="0"/>
-          </a:p>
-        </p:txBody>
-      </p:sp>
-      <p:sp>
-        <p:nvSpPr>
-          <p:cNvPr id="3" name="Espace réservé du contenu 2">
-            <a:extLst>
-              <a:ext uri="{FF2B5EF4-FFF2-40B4-BE49-F238E27FC236}">
-                <a16:creationId xmlns:a16="http://schemas.microsoft.com/office/drawing/2014/main" id="{9A084B31-5A39-C20F-9FFF-D5604B12C521}"/>
-              </a:ext>
-            </a:extLst>
-          </p:cNvPr>
-          <p:cNvSpPr>
-            <a:spLocks noGrp="1"/>
-          </p:cNvSpPr>
-          <p:nvPr>
-            <p:ph idx="1"/>
-          </p:nvPr>
-        </p:nvSpPr>
-        <p:spPr/>
-        <p:txBody>
-          <a:bodyPr/>
-          <a:lstStyle/>
-          <a:p>
-            <a:r>
-              <a:rPr lang="fr-FR" dirty="0"/>
-              <a:t>The </a:t>
-            </a:r>
-            <a:r>
-              <a:rPr lang="fr-FR" dirty="0" err="1"/>
-              <a:t>three</a:t>
-            </a:r>
-            <a:r>
-              <a:rPr lang="fr-FR" dirty="0"/>
-              <a:t> </a:t>
-            </a:r>
-            <a:r>
-              <a:rPr lang="fr-FR" dirty="0" err="1"/>
-              <a:t>tensors</a:t>
-            </a:r>
-            <a:r>
-              <a:rPr lang="fr-FR" dirty="0"/>
-              <a:t> u, v and w are </a:t>
-            </a:r>
-            <a:r>
-              <a:rPr lang="fr-FR" dirty="0" err="1"/>
-              <a:t>called</a:t>
-            </a:r>
-            <a:r>
-              <a:rPr lang="fr-FR" dirty="0"/>
-              <a:t> </a:t>
-            </a:r>
-            <a:r>
-              <a:rPr lang="el-GR" dirty="0"/>
-              <a:t>α</a:t>
-            </a:r>
-            <a:r>
-              <a:rPr lang="fr-FR" dirty="0"/>
-              <a:t>, </a:t>
-            </a:r>
-            <a:r>
-              <a:rPr lang="el-GR" dirty="0"/>
-              <a:t>β</a:t>
-            </a:r>
-            <a:r>
-              <a:rPr lang="fr-FR" dirty="0"/>
-              <a:t> and </a:t>
-            </a:r>
-            <a:r>
-              <a:rPr lang="el-GR" dirty="0">
-                <a:latin typeface="Calibri" panose="020F0502020204030204" pitchFamily="34" charset="0"/>
-                <a:cs typeface="Calibri" panose="020F0502020204030204" pitchFamily="34" charset="0"/>
-              </a:rPr>
-              <a:t>γ</a:t>
-            </a:r>
-            <a:endParaRPr lang="fr-FR" dirty="0"/>
-          </a:p>
-          <a:p>
-            <a:r>
-              <a:rPr lang="fr-FR" dirty="0" err="1"/>
-              <a:t>Whatever</a:t>
-            </a:r>
-            <a:r>
-              <a:rPr lang="fr-FR" dirty="0"/>
-              <a:t> the </a:t>
-            </a:r>
-            <a:r>
-              <a:rPr lang="fr-FR" dirty="0" err="1"/>
-              <a:t>intermediate</a:t>
-            </a:r>
-            <a:r>
-              <a:rPr lang="fr-FR" dirty="0"/>
-              <a:t> M are for an </a:t>
-            </a:r>
-            <a:r>
-              <a:rPr lang="fr-FR" dirty="0" err="1"/>
-              <a:t>algorithm</a:t>
-            </a:r>
-            <a:r>
-              <a:rPr lang="fr-FR" dirty="0"/>
-              <a:t>, the value of </a:t>
-            </a:r>
-            <a:r>
-              <a:rPr lang="fr-FR" dirty="0" err="1"/>
-              <a:t>Cij</a:t>
-            </a:r>
-            <a:r>
-              <a:rPr lang="fr-FR" dirty="0"/>
-              <a:t> must </a:t>
-            </a:r>
-            <a:r>
-              <a:rPr lang="fr-FR" dirty="0" err="1"/>
-              <a:t>be</a:t>
-            </a:r>
-            <a:r>
-              <a:rPr lang="fr-FR" dirty="0"/>
-              <a:t> </a:t>
-            </a:r>
-            <a:r>
-              <a:rPr lang="fr-FR" dirty="0" err="1"/>
-              <a:t>computed</a:t>
-            </a:r>
-            <a:r>
-              <a:rPr lang="fr-FR" dirty="0"/>
-              <a:t> </a:t>
-            </a:r>
-            <a:r>
-              <a:rPr lang="fr-FR" dirty="0" err="1"/>
-              <a:t>from</a:t>
-            </a:r>
-            <a:r>
-              <a:rPr lang="fr-FR" dirty="0"/>
-              <a:t> the </a:t>
-            </a:r>
-            <a:r>
-              <a:rPr lang="fr-FR" dirty="0" err="1"/>
-              <a:t>same</a:t>
-            </a:r>
-            <a:r>
-              <a:rPr lang="fr-FR" dirty="0"/>
-              <a:t> multiplications as the </a:t>
-            </a:r>
-            <a:r>
-              <a:rPr lang="fr-FR" dirty="0" err="1"/>
-              <a:t>naive</a:t>
-            </a:r>
-            <a:r>
-              <a:rPr lang="fr-FR" dirty="0"/>
-              <a:t> </a:t>
-            </a:r>
-            <a:r>
-              <a:rPr lang="fr-FR" dirty="0" err="1"/>
-              <a:t>algorithm</a:t>
-            </a:r>
-            <a:r>
-              <a:rPr lang="fr-FR" dirty="0"/>
-              <a:t>.</a:t>
-            </a:r>
-          </a:p>
-          <a:p>
-            <a:r>
-              <a:rPr lang="fr-FR" dirty="0"/>
-              <a:t>Example </a:t>
-            </a:r>
-            <a:r>
-              <a:rPr lang="fr-FR" dirty="0" err="1"/>
-              <a:t>with</a:t>
-            </a:r>
-            <a:r>
-              <a:rPr lang="fr-FR" dirty="0"/>
-              <a:t> C2 :</a:t>
-            </a:r>
-          </a:p>
-          <a:p>
-            <a:pPr lvl="1"/>
-            <a:r>
-              <a:rPr lang="fr-FR" dirty="0" err="1"/>
-              <a:t>Naive</a:t>
-            </a:r>
-            <a:r>
-              <a:rPr lang="fr-FR" dirty="0"/>
-              <a:t> :      m3 + m4                                              =  a1b2 + a2b4</a:t>
-            </a:r>
-          </a:p>
-          <a:p>
-            <a:pPr lvl="1"/>
-            <a:r>
-              <a:rPr lang="fr-FR" dirty="0" err="1"/>
-              <a:t>Strassen</a:t>
-            </a:r>
-            <a:r>
-              <a:rPr lang="fr-FR" dirty="0"/>
-              <a:t> : m3 + m5 = a1(b2-b4) + (a1+a2)b4 =  a1b2 + a2b4</a:t>
-            </a:r>
-          </a:p>
-          <a:p>
-            <a:pPr lvl="1"/>
-            <a:endParaRPr lang="fr-FR" dirty="0"/>
-          </a:p>
-          <a:p>
-            <a:endParaRPr lang="fr-FR" dirty="0"/>
-          </a:p>
-        </p:txBody>
-      </p:sp>
-      <p:sp>
-        <p:nvSpPr>
-          <p:cNvPr id="4" name="Espace réservé du numéro de diapositive 3">
-            <a:extLst>
-              <a:ext uri="{FF2B5EF4-FFF2-40B4-BE49-F238E27FC236}">
-                <a16:creationId xmlns:a16="http://schemas.microsoft.com/office/drawing/2014/main" id="{9897C98B-91A5-6CEB-835B-F667CA58E050}"/>
-              </a:ext>
-            </a:extLst>
-          </p:cNvPr>
-          <p:cNvSpPr>
-            <a:spLocks noGrp="1"/>
-          </p:cNvSpPr>
-          <p:nvPr>
-            <p:ph type="sldNum" sz="quarter" idx="12"/>
-          </p:nvPr>
-        </p:nvSpPr>
-        <p:spPr/>
-        <p:txBody>
-          <a:bodyPr/>
-          <a:lstStyle/>
-          <a:p>
-            <a:fld id="{20C2B34D-5C60-4DAA-9056-FB008A905AE8}" type="slidenum">
-              <a:rPr lang="fr-FR" smtClean="0"/>
-              <a:t>6</a:t>
-            </a:fld>
-            <a:endParaRPr lang="fr-FR"/>
-          </a:p>
-        </p:txBody>
-      </p:sp>
-    </p:spTree>
-    <p:extLst>
-      <p:ext uri="{BB962C8B-B14F-4D97-AF65-F5344CB8AC3E}">
-        <p14:creationId xmlns:p14="http://schemas.microsoft.com/office/powerpoint/2010/main" val="2355048238"/>
-      </p:ext>
-    </p:extLst>
-  </p:cSld>
-  <p:clrMapOvr>
-    <a:masterClrMapping/>
-  </p:clrMapOvr>
-</p:sld>
-</file>
-
-<file path=ppt/slides/slide7.xml><?xml version="1.0" encoding="utf-8"?>
-<p:sld xmlns:a="http://schemas.openxmlformats.org/drawingml/2006/main" xmlns:r="http://schemas.openxmlformats.org/officeDocument/2006/relationships" xmlns:p="http://schemas.openxmlformats.org/presentationml/2006/main">
-  <p:cSld>
-    <p:spTree>
-      <p:nvGrpSpPr>
-        <p:cNvPr id="1" name=""/>
-        <p:cNvGrpSpPr/>
-        <p:nvPr/>
-      </p:nvGrpSpPr>
-      <p:grpSpPr>
-        <a:xfrm>
-          <a:off x="0" y="0"/>
-          <a:ext cx="0" cy="0"/>
-          <a:chOff x="0" y="0"/>
-          <a:chExt cx="0" cy="0"/>
-        </a:xfrm>
-      </p:grpSpPr>
-      <p:sp>
-        <p:nvSpPr>
-          <p:cNvPr id="2" name="Titre 1">
-            <a:extLst>
-              <a:ext uri="{FF2B5EF4-FFF2-40B4-BE49-F238E27FC236}">
                 <a16:creationId xmlns:a16="http://schemas.microsoft.com/office/drawing/2014/main" id="{0EA8233B-4116-4FAF-C12A-49B31384F34D}"/>
               </a:ext>
             </a:extLst>
@@ -6508,7 +5645,7 @@
             </a:pPr>
             <a:r>
               <a:rPr lang="fr-FR" dirty="0"/>
-              <a:t>Indeed,           =&gt; a1 + a4 </a:t>
+              <a:t>Indeed,           =&gt; a3 + a4 </a:t>
             </a:r>
             <a:r>
               <a:rPr lang="fr-FR" dirty="0">
@@ -6612,7 +5749,7 @@
           <a:p>
             <a:fld id="{20C2B34D-5C60-4DAA-9056-FB008A905AE8}" type="slidenum">
               <a:rPr lang="fr-FR" smtClean="0"/>
-              <a:t>7</a:t>
+              <a:t>6</a:t>
             </a:fld>
             <a:endParaRPr lang="fr-FR"/>
           </a:p>
@@ -6721,6 +5858,342 @@
 </p:sld>
 </file>
 
+<file path=ppt/slides/slide7.xml><?xml version="1.0" encoding="utf-8"?>
+<p:sld xmlns:a="http://schemas.openxmlformats.org/drawingml/2006/main" xmlns:r="http://schemas.openxmlformats.org/officeDocument/2006/relationships" xmlns:p="http://schemas.openxmlformats.org/presentationml/2006/main">
+  <p:cSld>
+    <p:spTree>
+      <p:nvGrpSpPr>
+        <p:cNvPr id="1" name=""/>
+        <p:cNvGrpSpPr/>
+        <p:nvPr/>
+      </p:nvGrpSpPr>
+      <p:grpSpPr>
+        <a:xfrm>
+          <a:off x="0" y="0"/>
+          <a:ext cx="0" cy="0"/>
+          <a:chOff x="0" y="0"/>
+          <a:chExt cx="0" cy="0"/>
+        </a:xfrm>
+      </p:grpSpPr>
+      <p:sp>
+        <p:nvSpPr>
+          <p:cNvPr id="2" name="Titre 1">
+            <a:extLst>
+              <a:ext uri="{FF2B5EF4-FFF2-40B4-BE49-F238E27FC236}">
+                <a16:creationId xmlns:a16="http://schemas.microsoft.com/office/drawing/2014/main" id="{2BB38F9A-6ABE-2ED1-34BE-EEB3B3B42798}"/>
+              </a:ext>
+            </a:extLst>
+          </p:cNvPr>
+          <p:cNvSpPr>
+            <a:spLocks noGrp="1"/>
+          </p:cNvSpPr>
+          <p:nvPr>
+            <p:ph type="title"/>
+          </p:nvPr>
+        </p:nvSpPr>
+        <p:spPr/>
+        <p:txBody>
+          <a:bodyPr/>
+          <a:lstStyle/>
+          <a:p>
+            <a:r>
+              <a:rPr lang="fr-FR" dirty="0"/>
+              <a:t>ILP formulation : objective </a:t>
+            </a:r>
+            <a:r>
+              <a:rPr lang="fr-FR" dirty="0" err="1"/>
+              <a:t>function</a:t>
+            </a:r>
+            <a:endParaRPr lang="fr-FR" dirty="0"/>
+          </a:p>
+        </p:txBody>
+      </p:sp>
+      <p:sp>
+        <p:nvSpPr>
+          <p:cNvPr id="3" name="Espace réservé du contenu 2">
+            <a:extLst>
+              <a:ext uri="{FF2B5EF4-FFF2-40B4-BE49-F238E27FC236}">
+                <a16:creationId xmlns:a16="http://schemas.microsoft.com/office/drawing/2014/main" id="{C161F7EF-40F4-8CDE-3520-C55CF5ABC895}"/>
+              </a:ext>
+            </a:extLst>
+          </p:cNvPr>
+          <p:cNvSpPr>
+            <a:spLocks noGrp="1"/>
+          </p:cNvSpPr>
+          <p:nvPr>
+            <p:ph idx="1"/>
+          </p:nvPr>
+        </p:nvSpPr>
+        <p:spPr/>
+        <p:txBody>
+          <a:bodyPr/>
+          <a:lstStyle/>
+          <a:p>
+            <a:r>
+              <a:rPr lang="fr-FR" dirty="0" err="1"/>
+              <a:t>We</a:t>
+            </a:r>
+            <a:r>
+              <a:rPr lang="fr-FR" dirty="0"/>
+              <a:t> can </a:t>
+            </a:r>
+            <a:r>
+              <a:rPr lang="fr-FR" dirty="0" err="1"/>
+              <a:t>also</a:t>
+            </a:r>
+            <a:r>
+              <a:rPr lang="fr-FR" dirty="0"/>
+              <a:t> start </a:t>
+            </a:r>
+            <a:r>
+              <a:rPr lang="fr-FR" dirty="0" err="1"/>
+              <a:t>with</a:t>
+            </a:r>
+            <a:r>
+              <a:rPr lang="fr-FR" dirty="0"/>
+              <a:t> K = n^3 as for the </a:t>
+            </a:r>
+            <a:r>
+              <a:rPr lang="fr-FR" dirty="0" err="1"/>
+              <a:t>naive</a:t>
+            </a:r>
+            <a:r>
+              <a:rPr lang="fr-FR" dirty="0"/>
+              <a:t> </a:t>
+            </a:r>
+            <a:r>
+              <a:rPr lang="fr-FR" dirty="0" err="1"/>
+              <a:t>algorithm</a:t>
+            </a:r>
+            <a:r>
+              <a:rPr lang="fr-FR" dirty="0"/>
+              <a:t>, and </a:t>
+            </a:r>
+            <a:r>
+              <a:rPr lang="fr-FR" dirty="0" err="1"/>
+              <a:t>try</a:t>
+            </a:r>
+            <a:r>
+              <a:rPr lang="fr-FR" dirty="0"/>
+              <a:t> to </a:t>
+            </a:r>
+            <a:r>
+              <a:rPr lang="fr-FR" dirty="0" err="1"/>
+              <a:t>reduce</a:t>
+            </a:r>
+            <a:r>
+              <a:rPr lang="fr-FR" dirty="0"/>
+              <a:t> the </a:t>
+            </a:r>
+            <a:r>
+              <a:rPr lang="fr-FR" dirty="0" err="1"/>
+              <a:t>number</a:t>
+            </a:r>
+            <a:r>
+              <a:rPr lang="fr-FR" dirty="0"/>
+              <a:t> of multiplications.</a:t>
+            </a:r>
+          </a:p>
+          <a:p>
+            <a:pPr lvl="1"/>
+            <a:r>
+              <a:rPr lang="fr-FR" dirty="0" err="1"/>
+              <a:t>It’s</a:t>
+            </a:r>
+            <a:r>
+              <a:rPr lang="fr-FR" dirty="0"/>
+              <a:t> possible </a:t>
+            </a:r>
+            <a:r>
+              <a:rPr lang="fr-FR" dirty="0" err="1"/>
+              <a:t>with</a:t>
+            </a:r>
+            <a:r>
+              <a:rPr lang="fr-FR" dirty="0"/>
+              <a:t> an objective </a:t>
+            </a:r>
+            <a:r>
+              <a:rPr lang="fr-FR" dirty="0" err="1"/>
+              <a:t>function</a:t>
+            </a:r>
+            <a:r>
+              <a:rPr lang="fr-FR" dirty="0"/>
+              <a:t> </a:t>
+            </a:r>
+            <a:r>
+              <a:rPr lang="fr-FR" dirty="0" err="1"/>
+              <a:t>adding</a:t>
+            </a:r>
+            <a:r>
+              <a:rPr lang="fr-FR" dirty="0"/>
+              <a:t> </a:t>
+            </a:r>
+            <a:r>
+              <a:rPr lang="fr-FR" dirty="0" err="1"/>
+              <a:t>increasing</a:t>
+            </a:r>
+            <a:r>
+              <a:rPr lang="fr-FR" dirty="0"/>
+              <a:t> </a:t>
+            </a:r>
+            <a:r>
+              <a:rPr lang="fr-FR" dirty="0" err="1"/>
+              <a:t>weights</a:t>
+            </a:r>
+            <a:r>
+              <a:rPr lang="fr-FR" dirty="0"/>
+              <a:t> to the </a:t>
+            </a:r>
+            <a:r>
+              <a:rPr lang="fr-FR" dirty="0" err="1"/>
+              <a:t>sum</a:t>
+            </a:r>
+            <a:r>
+              <a:rPr lang="fr-FR" dirty="0"/>
+              <a:t> of </a:t>
+            </a:r>
+            <a:r>
+              <a:rPr lang="fr-FR" dirty="0" err="1"/>
+              <a:t>each</a:t>
+            </a:r>
+            <a:r>
+              <a:rPr lang="fr-FR" dirty="0"/>
+              <a:t> </a:t>
+            </a:r>
+            <a:r>
+              <a:rPr lang="fr-FR" dirty="0" err="1"/>
+              <a:t>columns</a:t>
+            </a:r>
+            <a:r>
+              <a:rPr lang="fr-FR" dirty="0"/>
+              <a:t>.</a:t>
+            </a:r>
+          </a:p>
+          <a:p>
+            <a:pPr marL="457200" lvl="1" indent="0">
+              <a:buNone/>
+            </a:pPr>
+            <a:r>
+              <a:rPr lang="fr-FR" dirty="0"/>
+              <a:t>For </a:t>
+            </a:r>
+            <a:r>
+              <a:rPr lang="fr-FR" dirty="0" err="1"/>
+              <a:t>example</a:t>
+            </a:r>
+            <a:r>
+              <a:rPr lang="fr-FR" dirty="0"/>
+              <a:t> </a:t>
+            </a:r>
+            <a:r>
+              <a:rPr lang="fr-FR" dirty="0" err="1"/>
+              <a:t>with</a:t>
+            </a:r>
+            <a:r>
+              <a:rPr lang="fr-FR" dirty="0"/>
+              <a:t> n=2, the </a:t>
+            </a:r>
+            <a:r>
+              <a:rPr lang="fr-FR" dirty="0" err="1"/>
+              <a:t>sum</a:t>
+            </a:r>
+            <a:r>
+              <a:rPr lang="fr-FR" dirty="0"/>
+              <a:t> of the first </a:t>
+            </a:r>
+            <a:r>
+              <a:rPr lang="fr-FR" dirty="0" err="1"/>
+              <a:t>column</a:t>
+            </a:r>
+            <a:r>
+              <a:rPr lang="fr-FR" dirty="0"/>
+              <a:t> </a:t>
+            </a:r>
+            <a:r>
+              <a:rPr lang="fr-FR" dirty="0" err="1"/>
+              <a:t>will</a:t>
+            </a:r>
+            <a:r>
+              <a:rPr lang="fr-FR" dirty="0"/>
+              <a:t> have a </a:t>
+            </a:r>
+            <a:r>
+              <a:rPr lang="fr-FR" dirty="0" err="1"/>
+              <a:t>coeff</a:t>
+            </a:r>
+            <a:r>
+              <a:rPr lang="fr-FR" dirty="0"/>
+              <a:t> of 1, and the </a:t>
+            </a:r>
+            <a:r>
+              <a:rPr lang="fr-FR" dirty="0" err="1"/>
+              <a:t>sum</a:t>
+            </a:r>
+            <a:r>
+              <a:rPr lang="fr-FR" dirty="0"/>
+              <a:t> of the last </a:t>
+            </a:r>
+            <a:r>
+              <a:rPr lang="fr-FR" dirty="0" err="1"/>
+              <a:t>column</a:t>
+            </a:r>
+            <a:r>
+              <a:rPr lang="fr-FR" dirty="0"/>
+              <a:t> </a:t>
+            </a:r>
+            <a:r>
+              <a:rPr lang="fr-FR" dirty="0" err="1"/>
+              <a:t>will</a:t>
+            </a:r>
+            <a:r>
+              <a:rPr lang="fr-FR" dirty="0"/>
+              <a:t> have a coefficient of 8.</a:t>
+            </a:r>
+          </a:p>
+        </p:txBody>
+      </p:sp>
+      <p:sp>
+        <p:nvSpPr>
+          <p:cNvPr id="4" name="Espace réservé du numéro de diapositive 3">
+            <a:extLst>
+              <a:ext uri="{FF2B5EF4-FFF2-40B4-BE49-F238E27FC236}">
+                <a16:creationId xmlns:a16="http://schemas.microsoft.com/office/drawing/2014/main" id="{B2484A89-82D9-F5A3-9A06-8AC98AB1724F}"/>
+              </a:ext>
+            </a:extLst>
+          </p:cNvPr>
+          <p:cNvSpPr>
+            <a:spLocks noGrp="1"/>
+          </p:cNvSpPr>
+          <p:nvPr>
+            <p:ph type="sldNum" sz="quarter" idx="12"/>
+          </p:nvPr>
+        </p:nvSpPr>
+        <p:spPr/>
+        <p:txBody>
+          <a:bodyPr/>
+          <a:lstStyle/>
+          <a:p>
+            <a:fld id="{20C2B34D-5C60-4DAA-9056-FB008A905AE8}" type="slidenum">
+              <a:rPr lang="fr-FR" smtClean="0"/>
+              <a:t>7</a:t>
+            </a:fld>
+            <a:endParaRPr lang="fr-FR"/>
+          </a:p>
+        </p:txBody>
+      </p:sp>
+    </p:spTree>
+    <p:extLst>
+      <p:ext uri="{BB962C8B-B14F-4D97-AF65-F5344CB8AC3E}">
+        <p14:creationId xmlns:p14="http://schemas.microsoft.com/office/powerpoint/2010/main" val="1277270232"/>
+      </p:ext>
+    </p:extLst>
+  </p:cSld>
+  <p:clrMapOvr>
+    <a:masterClrMapping/>
+  </p:clrMapOvr>
+</p:sld>
+</file>
+
 <file path=ppt/slides/slide8.xml><?xml version="1.0" encoding="utf-8"?>
 <p:sld xmlns:a="http://schemas.openxmlformats.org/drawingml/2006/main" xmlns:r="http://schemas.openxmlformats.org/officeDocument/2006/relationships" xmlns:p="http://schemas.openxmlformats.org/presentationml/2006/main">
   <p:cSld>
@@ -6743,7 +6216,7 @@
           <p:cNvPr id="2" name="Titre 1">
             <a:extLst>
               <a:ext uri="{FF2B5EF4-FFF2-40B4-BE49-F238E27FC236}">
-                <a16:creationId xmlns:a16="http://schemas.microsoft.com/office/drawing/2014/main" id="{2BB38F9A-6ABE-2ED1-34BE-EEB3B3B42798}"/>
+                <a16:creationId xmlns:a16="http://schemas.microsoft.com/office/drawing/2014/main" id="{0E9236FD-AD81-564F-38EA-D4A84A5B417F}"/>
               </a:ext>
             </a:extLst>
           </p:cNvPr>
@@ -6761,267 +6234,52 @@
           <a:p>
             <a:r>
               <a:rPr lang="fr-FR" dirty="0"/>
-              <a:t>ILP formulation : objective </a:t>
-            </a:r>
-            <a:r>
-              <a:rPr lang="fr-FR" dirty="0" err="1"/>
-              <a:t>function</a:t>
-            </a:r>
-            <a:endParaRPr lang="fr-FR" dirty="0"/>
-          </a:p>
-        </p:txBody>
-      </p:sp>
-      <p:sp>
-        <p:nvSpPr>
-          <p:cNvPr id="3" name="Espace réservé du contenu 2">
-            <a:extLst>
-              <a:ext uri="{FF2B5EF4-FFF2-40B4-BE49-F238E27FC236}">
-                <a16:creationId xmlns:a16="http://schemas.microsoft.com/office/drawing/2014/main" id="{C161F7EF-40F4-8CDE-3520-C55CF5ABC895}"/>
-              </a:ext>
-            </a:extLst>
-          </p:cNvPr>
-          <p:cNvSpPr>
-            <a:spLocks noGrp="1"/>
-          </p:cNvSpPr>
+              <a:t>ILP formulation in full</a:t>
+            </a:r>
+          </a:p>
+        </p:txBody>
+      </p:sp>
+      <p:pic>
+        <p:nvPicPr>
+          <p:cNvPr id="6" name="Espace réservé du contenu 5" descr="Une image contenant texte, Police, écriture manuscrite, blanc&#10;&#10;Description générée automatiquement">
+            <a:extLst>
+              <a:ext uri="{FF2B5EF4-FFF2-40B4-BE49-F238E27FC236}">
+                <a16:creationId xmlns:a16="http://schemas.microsoft.com/office/drawing/2014/main" id="{6886DCD6-89C7-5C51-DB66-68522D29D7FC}"/>
+              </a:ext>
+            </a:extLst>
+          </p:cNvPr>
+          <p:cNvPicPr>
+            <a:picLocks noGrp="1" noChangeAspect="1"/>
+          </p:cNvPicPr>
           <p:nvPr>
             <p:ph idx="1"/>
           </p:nvPr>
-        </p:nvSpPr>
-        <p:spPr/>
-        <p:txBody>
-          <a:bodyPr/>
-          <a:lstStyle/>
-          <a:p>
-            <a:pPr lvl="1"/>
-            <a:r>
-              <a:rPr lang="fr-FR" dirty="0" err="1"/>
-              <a:t>We</a:t>
-            </a:r>
-            <a:r>
-              <a:rPr lang="fr-FR" dirty="0"/>
-              <a:t> can </a:t>
-            </a:r>
-            <a:r>
-              <a:rPr lang="fr-FR" dirty="0" err="1"/>
-              <a:t>also</a:t>
-            </a:r>
-            <a:r>
-              <a:rPr lang="fr-FR" dirty="0"/>
-              <a:t> start </a:t>
-            </a:r>
-            <a:r>
-              <a:rPr lang="fr-FR" dirty="0" err="1"/>
-              <a:t>with</a:t>
-            </a:r>
-            <a:r>
-              <a:rPr lang="fr-FR" dirty="0"/>
-              <a:t> K = n^3 as for the </a:t>
-            </a:r>
-            <a:r>
-              <a:rPr lang="fr-FR" dirty="0" err="1"/>
-              <a:t>naive</a:t>
-            </a:r>
-            <a:r>
-              <a:rPr lang="fr-FR" dirty="0"/>
-              <a:t> </a:t>
-            </a:r>
-            <a:r>
-              <a:rPr lang="fr-FR" dirty="0" err="1"/>
-              <a:t>algorithm</a:t>
-            </a:r>
-            <a:r>
-              <a:rPr lang="fr-FR" dirty="0"/>
-              <a:t>, and </a:t>
-            </a:r>
-            <a:r>
-              <a:rPr lang="fr-FR" dirty="0" err="1"/>
-              <a:t>try</a:t>
-            </a:r>
-            <a:r>
-              <a:rPr lang="fr-FR" dirty="0"/>
-              <a:t> to </a:t>
-            </a:r>
-            <a:r>
-              <a:rPr lang="fr-FR" dirty="0" err="1"/>
-              <a:t>reduce</a:t>
-            </a:r>
-            <a:r>
-              <a:rPr lang="fr-FR" dirty="0"/>
-              <a:t> the </a:t>
-            </a:r>
-            <a:r>
-              <a:rPr lang="fr-FR" dirty="0" err="1"/>
-              <a:t>number</a:t>
-            </a:r>
-            <a:r>
-              <a:rPr lang="fr-FR" dirty="0"/>
-              <a:t> of multiplication.</a:t>
-            </a:r>
-          </a:p>
-          <a:p>
-            <a:pPr lvl="1"/>
-            <a:r>
-              <a:rPr lang="fr-FR" dirty="0" err="1"/>
-              <a:t>It’s</a:t>
-            </a:r>
-            <a:r>
-              <a:rPr lang="fr-FR" dirty="0"/>
-              <a:t> possible </a:t>
-            </a:r>
-            <a:r>
-              <a:rPr lang="fr-FR" dirty="0" err="1"/>
-              <a:t>with</a:t>
-            </a:r>
-            <a:r>
-              <a:rPr lang="fr-FR" dirty="0"/>
-              <a:t> an objective </a:t>
-            </a:r>
-            <a:r>
-              <a:rPr lang="fr-FR" dirty="0" err="1"/>
-              <a:t>function</a:t>
-            </a:r>
-            <a:r>
-              <a:rPr lang="fr-FR" dirty="0"/>
-              <a:t> </a:t>
-            </a:r>
-            <a:r>
-              <a:rPr lang="fr-FR" dirty="0" err="1"/>
-              <a:t>adding</a:t>
-            </a:r>
-            <a:r>
-              <a:rPr lang="fr-FR" dirty="0"/>
-              <a:t> </a:t>
-            </a:r>
-            <a:r>
-              <a:rPr lang="fr-FR" dirty="0" err="1"/>
-              <a:t>increasing</a:t>
-            </a:r>
-            <a:r>
-              <a:rPr lang="fr-FR" dirty="0"/>
-              <a:t> </a:t>
-            </a:r>
-            <a:r>
-              <a:rPr lang="fr-FR" dirty="0" err="1"/>
-              <a:t>weights</a:t>
-            </a:r>
-            <a:r>
-              <a:rPr lang="fr-FR" dirty="0"/>
-              <a:t> to the </a:t>
-            </a:r>
-            <a:r>
-              <a:rPr lang="fr-FR" dirty="0" err="1"/>
-              <a:t>sum</a:t>
-            </a:r>
-            <a:r>
-              <a:rPr lang="fr-FR" dirty="0"/>
-              <a:t> of </a:t>
-            </a:r>
-            <a:r>
-              <a:rPr lang="fr-FR" dirty="0" err="1"/>
-              <a:t>each</a:t>
-            </a:r>
-            <a:r>
-              <a:rPr lang="fr-FR" dirty="0"/>
-              <a:t> </a:t>
-            </a:r>
-            <a:r>
-              <a:rPr lang="fr-FR" dirty="0" err="1"/>
-              <a:t>columns</a:t>
-            </a:r>
-            <a:r>
-              <a:rPr lang="fr-FR" dirty="0"/>
-              <a:t>.</a:t>
-            </a:r>
-          </a:p>
-          <a:p>
-            <a:pPr marL="457200" lvl="1" indent="0">
-              <a:buNone/>
-            </a:pPr>
-            <a:r>
-              <a:rPr lang="fr-FR" dirty="0"/>
-              <a:t>For </a:t>
-            </a:r>
-            <a:r>
-              <a:rPr lang="fr-FR" dirty="0" err="1"/>
-              <a:t>example</a:t>
-            </a:r>
-            <a:r>
-              <a:rPr lang="fr-FR" dirty="0"/>
-              <a:t> </a:t>
-            </a:r>
-            <a:r>
-              <a:rPr lang="fr-FR" dirty="0" err="1"/>
-              <a:t>with</a:t>
-            </a:r>
-            <a:r>
-              <a:rPr lang="fr-FR" dirty="0"/>
-              <a:t> n=2, the </a:t>
-            </a:r>
-            <a:r>
-              <a:rPr lang="fr-FR" dirty="0" err="1"/>
-              <a:t>sum</a:t>
-            </a:r>
-            <a:r>
-              <a:rPr lang="fr-FR" dirty="0"/>
-              <a:t> of the first </a:t>
-            </a:r>
-            <a:r>
-              <a:rPr lang="fr-FR" dirty="0" err="1"/>
-              <a:t>column</a:t>
-            </a:r>
-            <a:r>
-              <a:rPr lang="fr-FR" dirty="0"/>
-              <a:t> </a:t>
-            </a:r>
-            <a:r>
-              <a:rPr lang="fr-FR" dirty="0" err="1"/>
-              <a:t>will</a:t>
-            </a:r>
-            <a:r>
-              <a:rPr lang="fr-FR" dirty="0"/>
-              <a:t> have a </a:t>
-            </a:r>
-            <a:r>
-              <a:rPr lang="fr-FR" dirty="0" err="1"/>
-              <a:t>coeff</a:t>
-            </a:r>
-            <a:r>
-              <a:rPr lang="fr-FR" dirty="0"/>
-              <a:t> of 1, and the </a:t>
-            </a:r>
-            <a:r>
-              <a:rPr lang="fr-FR" dirty="0" err="1"/>
-              <a:t>sum</a:t>
-            </a:r>
-            <a:r>
-              <a:rPr lang="fr-FR" dirty="0"/>
-              <a:t> of the last </a:t>
-            </a:r>
-            <a:r>
-              <a:rPr lang="fr-FR" dirty="0" err="1"/>
-              <a:t>column</a:t>
-            </a:r>
-            <a:r>
-              <a:rPr lang="fr-FR" dirty="0"/>
-              <a:t> </a:t>
-            </a:r>
-            <a:r>
-              <a:rPr lang="fr-FR" dirty="0" err="1"/>
-              <a:t>will</a:t>
-            </a:r>
-            <a:r>
-              <a:rPr lang="fr-FR" dirty="0"/>
-              <a:t> have a coefficient of 8.</a:t>
-            </a:r>
-          </a:p>
-        </p:txBody>
-      </p:sp>
+        </p:nvPicPr>
+        <p:blipFill>
+          <a:blip r:embed="rId2">
+            <a:extLst>
+              <a:ext uri="{28A0092B-C50C-407E-A947-70E740481C1C}">
+                <a14:useLocalDpi xmlns:a14="http://schemas.microsoft.com/office/drawing/2010/main" val="0"/>
+              </a:ext>
+            </a:extLst>
+          </a:blip>
+          <a:stretch>
+            <a:fillRect/>
+          </a:stretch>
+        </p:blipFill>
+        <p:spPr>
+          <a:xfrm>
+            <a:off x="838200" y="2484348"/>
+            <a:ext cx="10515600" cy="3033892"/>
+          </a:xfrm>
+        </p:spPr>
+      </p:pic>
       <p:sp>
         <p:nvSpPr>
           <p:cNvPr id="4" name="Espace réservé du numéro de diapositive 3">
             <a:extLst>
               <a:ext uri="{FF2B5EF4-FFF2-40B4-BE49-F238E27FC236}">
-                <a16:creationId xmlns:a16="http://schemas.microsoft.com/office/drawing/2014/main" id="{B2484A89-82D9-F5A3-9A06-8AC98AB1724F}"/>
+                <a16:creationId xmlns:a16="http://schemas.microsoft.com/office/drawing/2014/main" id="{4EFA475E-F42B-0649-5633-C31F65AE132C}"/>
               </a:ext>
             </a:extLst>
           </p:cNvPr>
@@ -7048,7 +6306,7 @@
     </p:spTree>
     <p:extLst>
       <p:ext uri="{BB962C8B-B14F-4D97-AF65-F5344CB8AC3E}">
-        <p14:creationId xmlns:p14="http://schemas.microsoft.com/office/powerpoint/2010/main" val="1277270232"/>
+        <p14:creationId xmlns:p14="http://schemas.microsoft.com/office/powerpoint/2010/main" val="1017179694"/>
       </p:ext>
     </p:extLst>
   </p:cSld>
@@ -7080,7 +6338,7 @@
           <p:cNvPr id="2" name="Titre 1">
             <a:extLst>
               <a:ext uri="{FF2B5EF4-FFF2-40B4-BE49-F238E27FC236}">
-                <a16:creationId xmlns:a16="http://schemas.microsoft.com/office/drawing/2014/main" id="{0E9236FD-AD81-564F-38EA-D4A84A5B417F}"/>
+                <a16:creationId xmlns:a16="http://schemas.microsoft.com/office/drawing/2014/main" id="{ADE09E91-0F4B-8581-9230-28139E04643D}"/>
               </a:ext>
             </a:extLst>
           </p:cNvPr>
@@ -7097,53 +6355,229 @@
           <a:lstStyle/>
           <a:p>
             <a:r>
-              <a:rPr lang="fr-FR" dirty="0"/>
-              <a:t>ILP formulation in full</a:t>
-            </a:r>
-          </a:p>
-        </p:txBody>
-      </p:sp>
-      <p:pic>
-        <p:nvPicPr>
-          <p:cNvPr id="6" name="Espace réservé du contenu 5" descr="Une image contenant texte, Police, écriture manuscrite, blanc&#10;&#10;Description générée automatiquement">
-            <a:extLst>
-              <a:ext uri="{FF2B5EF4-FFF2-40B4-BE49-F238E27FC236}">
-                <a16:creationId xmlns:a16="http://schemas.microsoft.com/office/drawing/2014/main" id="{6886DCD6-89C7-5C51-DB66-68522D29D7FC}"/>
-              </a:ext>
-            </a:extLst>
-          </p:cNvPr>
-          <p:cNvPicPr>
-            <a:picLocks noGrp="1" noChangeAspect="1"/>
-          </p:cNvPicPr>
+              <a:rPr lang="fr-FR" dirty="0" err="1"/>
+              <a:t>Implementation</a:t>
+            </a:r>
+            <a:endParaRPr lang="fr-FR" dirty="0"/>
+          </a:p>
+        </p:txBody>
+      </p:sp>
+      <p:sp>
+        <p:nvSpPr>
+          <p:cNvPr id="3" name="Espace réservé du contenu 2">
+            <a:extLst>
+              <a:ext uri="{FF2B5EF4-FFF2-40B4-BE49-F238E27FC236}">
+                <a16:creationId xmlns:a16="http://schemas.microsoft.com/office/drawing/2014/main" id="{FD519544-E0C3-F3B6-BD57-FFFF4D3C3BC4}"/>
+              </a:ext>
+            </a:extLst>
+          </p:cNvPr>
+          <p:cNvSpPr>
+            <a:spLocks noGrp="1"/>
+          </p:cNvSpPr>
           <p:nvPr>
             <p:ph idx="1"/>
           </p:nvPr>
-        </p:nvPicPr>
-        <p:blipFill>
-          <a:blip r:embed="rId2">
-            <a:extLst>
-              <a:ext uri="{28A0092B-C50C-407E-A947-70E740481C1C}">
-                <a14:useLocalDpi xmlns:a14="http://schemas.microsoft.com/office/drawing/2010/main" val="0"/>
-              </a:ext>
-            </a:extLst>
-          </a:blip>
-          <a:stretch>
-            <a:fillRect/>
-          </a:stretch>
-        </p:blipFill>
-        <p:spPr>
-          <a:xfrm>
-            <a:off x="838200" y="2484348"/>
-            <a:ext cx="10515600" cy="3033892"/>
-          </a:xfrm>
-        </p:spPr>
-      </p:pic>
+        </p:nvSpPr>
+        <p:spPr/>
+        <p:txBody>
+          <a:bodyPr/>
+          <a:lstStyle/>
+          <a:p>
+            <a:r>
+              <a:rPr lang="fr-FR" dirty="0" err="1"/>
+              <a:t>With</a:t>
+            </a:r>
+            <a:r>
+              <a:rPr lang="fr-FR" dirty="0"/>
+              <a:t> </a:t>
+            </a:r>
+            <a:r>
+              <a:rPr lang="fr-FR" dirty="0" err="1"/>
+              <a:t>Pyomo</a:t>
+            </a:r>
+            <a:r>
+              <a:rPr lang="fr-FR" dirty="0"/>
+              <a:t>, </a:t>
+            </a:r>
+            <a:r>
+              <a:rPr lang="fr-FR" dirty="0" err="1"/>
+              <a:t>solved</a:t>
+            </a:r>
+            <a:r>
+              <a:rPr lang="fr-FR" dirty="0"/>
+              <a:t> by </a:t>
+            </a:r>
+            <a:r>
+              <a:rPr lang="fr-FR" dirty="0" err="1"/>
+              <a:t>Gurobi</a:t>
+            </a:r>
+            <a:r>
+              <a:rPr lang="fr-FR" dirty="0"/>
+              <a:t>. </a:t>
+            </a:r>
+            <a:r>
+              <a:rPr lang="fr-FR" dirty="0" err="1"/>
+              <a:t>We</a:t>
+            </a:r>
+            <a:r>
+              <a:rPr lang="fr-FR" dirty="0"/>
+              <a:t> must set the </a:t>
+            </a:r>
+            <a:r>
+              <a:rPr lang="fr-FR" dirty="0" err="1"/>
+              <a:t>parameter</a:t>
+            </a:r>
+            <a:r>
+              <a:rPr lang="fr-FR" dirty="0"/>
+              <a:t> "</a:t>
+            </a:r>
+            <a:r>
+              <a:rPr lang="fr-FR" dirty="0" err="1"/>
+              <a:t>NonConvex</a:t>
+            </a:r>
+            <a:r>
+              <a:rPr lang="fr-FR" dirty="0"/>
+              <a:t>" to 2.</a:t>
+            </a:r>
+          </a:p>
+          <a:p>
+            <a:endParaRPr lang="fr-FR" dirty="0"/>
+          </a:p>
+          <a:p>
+            <a:r>
+              <a:rPr lang="fr-FR" dirty="0"/>
+              <a:t>Objective </a:t>
+            </a:r>
+            <a:r>
+              <a:rPr lang="fr-FR" dirty="0" err="1"/>
+              <a:t>norm</a:t>
+            </a:r>
+            <a:r>
+              <a:rPr lang="fr-FR" dirty="0"/>
+              <a:t> 1 : the </a:t>
+            </a:r>
+            <a:r>
+              <a:rPr lang="fr-FR" dirty="0" err="1"/>
+              <a:t>absolute</a:t>
+            </a:r>
+            <a:r>
+              <a:rPr lang="fr-FR" dirty="0"/>
+              <a:t> value </a:t>
+            </a:r>
+            <a:r>
+              <a:rPr lang="fr-FR" dirty="0" err="1"/>
+              <a:t>is</a:t>
+            </a:r>
+            <a:r>
+              <a:rPr lang="fr-FR" dirty="0"/>
+              <a:t> the square of the </a:t>
+            </a:r>
+            <a:r>
+              <a:rPr lang="fr-FR" dirty="0" err="1"/>
+              <a:t>cell</a:t>
+            </a:r>
+            <a:r>
+              <a:rPr lang="fr-FR" dirty="0"/>
+              <a:t> </a:t>
+            </a:r>
+            <a:r>
+              <a:rPr lang="fr-FR" dirty="0" err="1"/>
+              <a:t>because</a:t>
+            </a:r>
+            <a:r>
+              <a:rPr lang="fr-FR" dirty="0"/>
+              <a:t> </a:t>
+            </a:r>
+            <a:r>
+              <a:rPr lang="fr-FR" dirty="0" err="1"/>
+              <a:t>cells</a:t>
+            </a:r>
+            <a:r>
+              <a:rPr lang="fr-FR" dirty="0"/>
+              <a:t> are </a:t>
+            </a:r>
+            <a:r>
+              <a:rPr lang="fr-FR" dirty="0" err="1"/>
+              <a:t>from</a:t>
+            </a:r>
+            <a:r>
+              <a:rPr lang="fr-FR" dirty="0"/>
+              <a:t> {-1,0,1}.</a:t>
+            </a:r>
+          </a:p>
+          <a:p>
+            <a:endParaRPr lang="fr-FR" dirty="0"/>
+          </a:p>
+          <a:p>
+            <a:r>
+              <a:rPr lang="fr-FR" dirty="0"/>
+              <a:t>Objective coefficients on the </a:t>
+            </a:r>
+            <a:r>
+              <a:rPr lang="fr-FR" dirty="0" err="1"/>
+              <a:t>sum</a:t>
+            </a:r>
+            <a:r>
+              <a:rPr lang="fr-FR" dirty="0"/>
+              <a:t> : </a:t>
+            </a:r>
+            <a:r>
+              <a:rPr lang="fr-FR" dirty="0" err="1"/>
+              <a:t>we</a:t>
+            </a:r>
+            <a:r>
+              <a:rPr lang="fr-FR" dirty="0"/>
+              <a:t> </a:t>
+            </a:r>
+            <a:r>
+              <a:rPr lang="fr-FR" dirty="0" err="1"/>
+              <a:t>add</a:t>
+            </a:r>
+            <a:r>
+              <a:rPr lang="fr-FR" dirty="0"/>
+              <a:t> a new variable </a:t>
+            </a:r>
+            <a:r>
+              <a:rPr lang="fr-FR" dirty="0" err="1"/>
+              <a:t>that</a:t>
+            </a:r>
+            <a:r>
+              <a:rPr lang="fr-FR" dirty="0"/>
+              <a:t> stores the </a:t>
+            </a:r>
+            <a:r>
+              <a:rPr lang="fr-FR" dirty="0" err="1"/>
+              <a:t>sum</a:t>
+            </a:r>
+            <a:r>
+              <a:rPr lang="fr-FR" dirty="0"/>
+              <a:t>, and use </a:t>
+            </a:r>
+            <a:r>
+              <a:rPr lang="fr-FR" dirty="0" err="1"/>
+              <a:t>this</a:t>
+            </a:r>
+            <a:r>
+              <a:rPr lang="fr-FR" dirty="0"/>
+              <a:t> new variable in the objective </a:t>
+            </a:r>
+            <a:r>
+              <a:rPr lang="fr-FR" dirty="0" err="1"/>
+              <a:t>function</a:t>
+            </a:r>
+            <a:r>
+              <a:rPr lang="fr-FR" dirty="0"/>
+              <a:t>.</a:t>
+            </a:r>
+          </a:p>
+        </p:txBody>
+      </p:sp>
       <p:sp>
         <p:nvSpPr>
           <p:cNvPr id="4" name="Espace réservé du numéro de diapositive 3">
             <a:extLst>
               <a:ext uri="{FF2B5EF4-FFF2-40B4-BE49-F238E27FC236}">
-                <a16:creationId xmlns:a16="http://schemas.microsoft.com/office/drawing/2014/main" id="{4EFA475E-F42B-0649-5633-C31F65AE132C}"/>
+                <a16:creationId xmlns:a16="http://schemas.microsoft.com/office/drawing/2014/main" id="{F1E58F49-CCCC-312E-964B-FBC2DC796A6A}"/>
               </a:ext>
             </a:extLst>
           </p:cNvPr>
@@ -7170,7 +6604,7 @@
     </p:spTree>
     <p:extLst>
       <p:ext uri="{BB962C8B-B14F-4D97-AF65-F5344CB8AC3E}">
-        <p14:creationId xmlns:p14="http://schemas.microsoft.com/office/powerpoint/2010/main" val="1017179694"/>
+        <p14:creationId xmlns:p14="http://schemas.microsoft.com/office/powerpoint/2010/main" val="1933146252"/>
       </p:ext>
     </p:extLst>
   </p:cSld>
